--- a/Py B - unit 3d.pptx
+++ b/Py B - unit 3d.pptx
@@ -124,6 +124,199 @@
 <file path=ppt/changesInfos/changesInfo1.xml><?xml version="1.0" encoding="utf-8"?>
 <pc:chgInfo xmlns:a="http://schemas.openxmlformats.org/drawingml/2006/main" xmlns:r="http://schemas.openxmlformats.org/officeDocument/2006/relationships" xmlns:ac="http://schemas.microsoft.com/office/drawing/2013/main/command" xmlns:pc="http://schemas.microsoft.com/office/powerpoint/2013/main/command">
   <pc:docChgLst>
+    <pc:chgData name="Li Lixiang" userId="6104bbfcb56aea79" providerId="LiveId" clId="{071FCB63-C3B8-4D0E-9D77-42FB0FCF0B6E}"/>
+    <pc:docChg chg="custSel modSld">
+      <pc:chgData name="Li Lixiang" userId="6104bbfcb56aea79" providerId="LiveId" clId="{071FCB63-C3B8-4D0E-9D77-42FB0FCF0B6E}" dt="2021-02-27T03:05:10.520" v="311" actId="27636"/>
+      <pc:docMkLst>
+        <pc:docMk/>
+      </pc:docMkLst>
+      <pc:sldChg chg="modSp mod">
+        <pc:chgData name="Li Lixiang" userId="6104bbfcb56aea79" providerId="LiveId" clId="{071FCB63-C3B8-4D0E-9D77-42FB0FCF0B6E}" dt="2021-02-27T02:59:22.364" v="1" actId="20577"/>
+        <pc:sldMkLst>
+          <pc:docMk/>
+          <pc:sldMk cId="3650079851" sldId="256"/>
+        </pc:sldMkLst>
+        <pc:spChg chg="mod">
+          <ac:chgData name="Li Lixiang" userId="6104bbfcb56aea79" providerId="LiveId" clId="{071FCB63-C3B8-4D0E-9D77-42FB0FCF0B6E}" dt="2021-02-27T02:59:22.364" v="1" actId="20577"/>
+          <ac:spMkLst>
+            <pc:docMk/>
+            <pc:sldMk cId="3650079851" sldId="256"/>
+            <ac:spMk id="4" creationId="{8DE6899A-D842-4C9E-ADC1-B0C1377122EA}"/>
+          </ac:spMkLst>
+        </pc:spChg>
+      </pc:sldChg>
+      <pc:sldChg chg="modSp mod">
+        <pc:chgData name="Li Lixiang" userId="6104bbfcb56aea79" providerId="LiveId" clId="{071FCB63-C3B8-4D0E-9D77-42FB0FCF0B6E}" dt="2021-02-27T03:05:10.520" v="311" actId="27636"/>
+        <pc:sldMkLst>
+          <pc:docMk/>
+          <pc:sldMk cId="1732110910" sldId="271"/>
+        </pc:sldMkLst>
+        <pc:spChg chg="mod">
+          <ac:chgData name="Li Lixiang" userId="6104bbfcb56aea79" providerId="LiveId" clId="{071FCB63-C3B8-4D0E-9D77-42FB0FCF0B6E}" dt="2021-02-27T03:01:43.777" v="27" actId="20577"/>
+          <ac:spMkLst>
+            <pc:docMk/>
+            <pc:sldMk cId="1732110910" sldId="271"/>
+            <ac:spMk id="2" creationId="{5EC01E2D-9CFE-4D5D-8863-3BA90731F07B}"/>
+          </ac:spMkLst>
+        </pc:spChg>
+        <pc:spChg chg="mod">
+          <ac:chgData name="Li Lixiang" userId="6104bbfcb56aea79" providerId="LiveId" clId="{071FCB63-C3B8-4D0E-9D77-42FB0FCF0B6E}" dt="2021-02-27T03:05:10.520" v="311" actId="27636"/>
+          <ac:spMkLst>
+            <pc:docMk/>
+            <pc:sldMk cId="1732110910" sldId="271"/>
+            <ac:spMk id="9" creationId="{B3A91969-9FC0-40D6-97FB-CB169B0FD70D}"/>
+          </ac:spMkLst>
+        </pc:spChg>
+      </pc:sldChg>
+    </pc:docChg>
+  </pc:docChgLst>
+  <pc:docChgLst>
+    <pc:chgData name="Li Lixiang" userId="6104bbfcb56aea79" providerId="LiveId" clId="{C264A2B5-62E8-41A3-AC8C-3290B0C302EA}"/>
+    <pc:docChg chg="undo redo custSel addSld modSld sldOrd">
+      <pc:chgData name="Li Lixiang" userId="6104bbfcb56aea79" providerId="LiveId" clId="{C264A2B5-62E8-41A3-AC8C-3290B0C302EA}" dt="2021-05-17T10:37:42.894" v="953"/>
+      <pc:docMkLst>
+        <pc:docMk/>
+      </pc:docMkLst>
+      <pc:sldChg chg="modSp mod">
+        <pc:chgData name="Li Lixiang" userId="6104bbfcb56aea79" providerId="LiveId" clId="{C264A2B5-62E8-41A3-AC8C-3290B0C302EA}" dt="2021-05-17T08:27:19.182" v="10" actId="20577"/>
+        <pc:sldMkLst>
+          <pc:docMk/>
+          <pc:sldMk cId="3650079851" sldId="256"/>
+        </pc:sldMkLst>
+        <pc:spChg chg="mod">
+          <ac:chgData name="Li Lixiang" userId="6104bbfcb56aea79" providerId="LiveId" clId="{C264A2B5-62E8-41A3-AC8C-3290B0C302EA}" dt="2021-05-17T08:27:19.182" v="10" actId="20577"/>
+          <ac:spMkLst>
+            <pc:docMk/>
+            <pc:sldMk cId="3650079851" sldId="256"/>
+            <ac:spMk id="4" creationId="{8DE6899A-D842-4C9E-ADC1-B0C1377122EA}"/>
+          </ac:spMkLst>
+        </pc:spChg>
+      </pc:sldChg>
+      <pc:sldChg chg="ord">
+        <pc:chgData name="Li Lixiang" userId="6104bbfcb56aea79" providerId="LiveId" clId="{C264A2B5-62E8-41A3-AC8C-3290B0C302EA}" dt="2021-05-17T10:37:17.707" v="945"/>
+        <pc:sldMkLst>
+          <pc:docMk/>
+          <pc:sldMk cId="2389731973" sldId="273"/>
+        </pc:sldMkLst>
+      </pc:sldChg>
+      <pc:sldChg chg="modSp add mod ord">
+        <pc:chgData name="Li Lixiang" userId="6104bbfcb56aea79" providerId="LiveId" clId="{C264A2B5-62E8-41A3-AC8C-3290B0C302EA}" dt="2021-05-17T10:37:40.462" v="951"/>
+        <pc:sldMkLst>
+          <pc:docMk/>
+          <pc:sldMk cId="386236625" sldId="277"/>
+        </pc:sldMkLst>
+        <pc:spChg chg="mod">
+          <ac:chgData name="Li Lixiang" userId="6104bbfcb56aea79" providerId="LiveId" clId="{C264A2B5-62E8-41A3-AC8C-3290B0C302EA}" dt="2021-05-17T08:33:20.416" v="15" actId="20577"/>
+          <ac:spMkLst>
+            <pc:docMk/>
+            <pc:sldMk cId="386236625" sldId="277"/>
+            <ac:spMk id="2" creationId="{5EC01E2D-9CFE-4D5D-8863-3BA90731F07B}"/>
+          </ac:spMkLst>
+        </pc:spChg>
+        <pc:spChg chg="mod">
+          <ac:chgData name="Li Lixiang" userId="6104bbfcb56aea79" providerId="LiveId" clId="{C264A2B5-62E8-41A3-AC8C-3290B0C302EA}" dt="2021-05-17T09:06:35.265" v="632" actId="20577"/>
+          <ac:spMkLst>
+            <pc:docMk/>
+            <pc:sldMk cId="386236625" sldId="277"/>
+            <ac:spMk id="9" creationId="{B3A91969-9FC0-40D6-97FB-CB169B0FD70D}"/>
+          </ac:spMkLst>
+        </pc:spChg>
+      </pc:sldChg>
+      <pc:sldChg chg="modSp add mod ord">
+        <pc:chgData name="Li Lixiang" userId="6104bbfcb56aea79" providerId="LiveId" clId="{C264A2B5-62E8-41A3-AC8C-3290B0C302EA}" dt="2021-05-17T10:37:42.894" v="953"/>
+        <pc:sldMkLst>
+          <pc:docMk/>
+          <pc:sldMk cId="1470482827" sldId="278"/>
+        </pc:sldMkLst>
+        <pc:spChg chg="mod">
+          <ac:chgData name="Li Lixiang" userId="6104bbfcb56aea79" providerId="LiveId" clId="{C264A2B5-62E8-41A3-AC8C-3290B0C302EA}" dt="2021-05-17T09:11:08.893" v="640" actId="20577"/>
+          <ac:spMkLst>
+            <pc:docMk/>
+            <pc:sldMk cId="1470482827" sldId="278"/>
+            <ac:spMk id="2" creationId="{5EC01E2D-9CFE-4D5D-8863-3BA90731F07B}"/>
+          </ac:spMkLst>
+        </pc:spChg>
+        <pc:spChg chg="mod">
+          <ac:chgData name="Li Lixiang" userId="6104bbfcb56aea79" providerId="LiveId" clId="{C264A2B5-62E8-41A3-AC8C-3290B0C302EA}" dt="2021-05-17T10:36:42.844" v="943" actId="20577"/>
+          <ac:spMkLst>
+            <pc:docMk/>
+            <pc:sldMk cId="1470482827" sldId="278"/>
+            <ac:spMk id="9" creationId="{B3A91969-9FC0-40D6-97FB-CB169B0FD70D}"/>
+          </ac:spMkLst>
+        </pc:spChg>
+      </pc:sldChg>
+    </pc:docChg>
+  </pc:docChgLst>
+  <pc:docChgLst>
+    <pc:chgData name="Li Lixiang" userId="6104bbfcb56aea79" providerId="LiveId" clId="{3D3ACAA3-0668-4630-B75C-0D115881036C}"/>
+    <pc:docChg chg="modSld">
+      <pc:chgData name="Li Lixiang" userId="6104bbfcb56aea79" providerId="LiveId" clId="{3D3ACAA3-0668-4630-B75C-0D115881036C}" dt="2021-09-02T03:34:28.158" v="39" actId="20577"/>
+      <pc:docMkLst>
+        <pc:docMk/>
+      </pc:docMkLst>
+      <pc:sldChg chg="modSp mod">
+        <pc:chgData name="Li Lixiang" userId="6104bbfcb56aea79" providerId="LiveId" clId="{3D3ACAA3-0668-4630-B75C-0D115881036C}" dt="2021-08-28T02:38:56.089" v="0" actId="20577"/>
+        <pc:sldMkLst>
+          <pc:docMk/>
+          <pc:sldMk cId="3650079851" sldId="256"/>
+        </pc:sldMkLst>
+        <pc:spChg chg="mod">
+          <ac:chgData name="Li Lixiang" userId="6104bbfcb56aea79" providerId="LiveId" clId="{3D3ACAA3-0668-4630-B75C-0D115881036C}" dt="2021-08-28T02:38:56.089" v="0" actId="20577"/>
+          <ac:spMkLst>
+            <pc:docMk/>
+            <pc:sldMk cId="3650079851" sldId="256"/>
+            <ac:spMk id="4" creationId="{8DE6899A-D842-4C9E-ADC1-B0C1377122EA}"/>
+          </ac:spMkLst>
+        </pc:spChg>
+      </pc:sldChg>
+      <pc:sldChg chg="modSp mod">
+        <pc:chgData name="Li Lixiang" userId="6104bbfcb56aea79" providerId="LiveId" clId="{3D3ACAA3-0668-4630-B75C-0D115881036C}" dt="2021-09-02T03:34:28.158" v="39" actId="20577"/>
+        <pc:sldMkLst>
+          <pc:docMk/>
+          <pc:sldMk cId="2828961167" sldId="272"/>
+        </pc:sldMkLst>
+        <pc:spChg chg="mod">
+          <ac:chgData name="Li Lixiang" userId="6104bbfcb56aea79" providerId="LiveId" clId="{3D3ACAA3-0668-4630-B75C-0D115881036C}" dt="2021-09-02T03:34:28.158" v="39" actId="20577"/>
+          <ac:spMkLst>
+            <pc:docMk/>
+            <pc:sldMk cId="2828961167" sldId="272"/>
+            <ac:spMk id="9" creationId="{B3A91969-9FC0-40D6-97FB-CB169B0FD70D}"/>
+          </ac:spMkLst>
+        </pc:spChg>
+      </pc:sldChg>
+      <pc:sldChg chg="modSp mod">
+        <pc:chgData name="Li Lixiang" userId="6104bbfcb56aea79" providerId="LiveId" clId="{3D3ACAA3-0668-4630-B75C-0D115881036C}" dt="2021-09-02T03:33:14.845" v="8" actId="20577"/>
+        <pc:sldMkLst>
+          <pc:docMk/>
+          <pc:sldMk cId="2389731973" sldId="273"/>
+        </pc:sldMkLst>
+        <pc:spChg chg="mod">
+          <ac:chgData name="Li Lixiang" userId="6104bbfcb56aea79" providerId="LiveId" clId="{3D3ACAA3-0668-4630-B75C-0D115881036C}" dt="2021-09-02T03:33:14.845" v="8" actId="20577"/>
+          <ac:spMkLst>
+            <pc:docMk/>
+            <pc:sldMk cId="2389731973" sldId="273"/>
+            <ac:spMk id="9" creationId="{B3A91969-9FC0-40D6-97FB-CB169B0FD70D}"/>
+          </ac:spMkLst>
+        </pc:spChg>
+      </pc:sldChg>
+      <pc:sldChg chg="modSp mod">
+        <pc:chgData name="Li Lixiang" userId="6104bbfcb56aea79" providerId="LiveId" clId="{3D3ACAA3-0668-4630-B75C-0D115881036C}" dt="2021-09-02T03:30:47.518" v="6" actId="20577"/>
+        <pc:sldMkLst>
+          <pc:docMk/>
+          <pc:sldMk cId="796817006" sldId="279"/>
+        </pc:sldMkLst>
+        <pc:spChg chg="mod">
+          <ac:chgData name="Li Lixiang" userId="6104bbfcb56aea79" providerId="LiveId" clId="{3D3ACAA3-0668-4630-B75C-0D115881036C}" dt="2021-09-02T03:30:47.518" v="6" actId="20577"/>
+          <ac:spMkLst>
+            <pc:docMk/>
+            <pc:sldMk cId="796817006" sldId="279"/>
+            <ac:spMk id="9" creationId="{B3A91969-9FC0-40D6-97FB-CB169B0FD70D}"/>
+          </ac:spMkLst>
+        </pc:spChg>
+      </pc:sldChg>
+    </pc:docChg>
+  </pc:docChgLst>
+  <pc:docChgLst>
     <pc:chgData name="Li Lixiang" userId="6104bbfcb56aea79" providerId="LiveId" clId="{5CE64BD8-664E-494B-A2CB-3189DD4245E9}"/>
     <pc:docChg chg="undo custSel addSld modSld">
       <pc:chgData name="Li Lixiang" userId="6104bbfcb56aea79" providerId="LiveId" clId="{5CE64BD8-664E-494B-A2CB-3189DD4245E9}" dt="2021-03-04T04:18:52.496" v="3580" actId="20577"/>
@@ -263,500 +456,6 @@
           <ac:spMkLst>
             <pc:docMk/>
             <pc:sldMk cId="1878374054" sldId="276"/>
-            <ac:spMk id="9" creationId="{B3A91969-9FC0-40D6-97FB-CB169B0FD70D}"/>
-          </ac:spMkLst>
-        </pc:spChg>
-      </pc:sldChg>
-    </pc:docChg>
-  </pc:docChgLst>
-  <pc:docChgLst>
-    <pc:chgData name="Lixiang Li" userId="6104bbfcb56aea79" providerId="LiveId" clId="{61E43983-74B9-4925-A0C4-55DE45237742}"/>
-    <pc:docChg chg="custSel addSld modSld">
-      <pc:chgData name="Lixiang Li" userId="6104bbfcb56aea79" providerId="LiveId" clId="{61E43983-74B9-4925-A0C4-55DE45237742}" dt="2020-12-08T16:04:15.330" v="29" actId="14100"/>
-      <pc:docMkLst>
-        <pc:docMk/>
-      </pc:docMkLst>
-      <pc:sldChg chg="delSp modSp">
-        <pc:chgData name="Lixiang Li" userId="6104bbfcb56aea79" providerId="LiveId" clId="{61E43983-74B9-4925-A0C4-55DE45237742}" dt="2020-12-08T15:02:02.217" v="15" actId="1036"/>
-        <pc:sldMkLst>
-          <pc:docMk/>
-          <pc:sldMk cId="3326398716" sldId="260"/>
-        </pc:sldMkLst>
-        <pc:picChg chg="mod">
-          <ac:chgData name="Lixiang Li" userId="6104bbfcb56aea79" providerId="LiveId" clId="{61E43983-74B9-4925-A0C4-55DE45237742}" dt="2020-12-08T15:02:02.217" v="15" actId="1036"/>
-          <ac:picMkLst>
-            <pc:docMk/>
-            <pc:sldMk cId="3326398716" sldId="260"/>
-            <ac:picMk id="3" creationId="{9A2E8B13-B22A-49AC-A050-813911B3E9EE}"/>
-          </ac:picMkLst>
-        </pc:picChg>
-        <pc:picChg chg="mod">
-          <ac:chgData name="Lixiang Li" userId="6104bbfcb56aea79" providerId="LiveId" clId="{61E43983-74B9-4925-A0C4-55DE45237742}" dt="2020-12-08T15:02:02.217" v="15" actId="1036"/>
-          <ac:picMkLst>
-            <pc:docMk/>
-            <pc:sldMk cId="3326398716" sldId="260"/>
-            <ac:picMk id="5" creationId="{F1D17BD7-6295-45FF-A531-7B1B911887E4}"/>
-          </ac:picMkLst>
-        </pc:picChg>
-        <pc:picChg chg="mod">
-          <ac:chgData name="Lixiang Li" userId="6104bbfcb56aea79" providerId="LiveId" clId="{61E43983-74B9-4925-A0C4-55DE45237742}" dt="2020-12-08T15:02:02.217" v="15" actId="1036"/>
-          <ac:picMkLst>
-            <pc:docMk/>
-            <pc:sldMk cId="3326398716" sldId="260"/>
-            <ac:picMk id="7" creationId="{249F4CA4-A5F7-4B45-AECE-8BF2367F185A}"/>
-          </ac:picMkLst>
-        </pc:picChg>
-        <pc:picChg chg="mod">
-          <ac:chgData name="Lixiang Li" userId="6104bbfcb56aea79" providerId="LiveId" clId="{61E43983-74B9-4925-A0C4-55DE45237742}" dt="2020-12-08T15:02:02.217" v="15" actId="1036"/>
-          <ac:picMkLst>
-            <pc:docMk/>
-            <pc:sldMk cId="3326398716" sldId="260"/>
-            <ac:picMk id="8" creationId="{D370D419-3E35-4D37-A45D-5FE39799715B}"/>
-          </ac:picMkLst>
-        </pc:picChg>
-        <pc:picChg chg="mod">
-          <ac:chgData name="Lixiang Li" userId="6104bbfcb56aea79" providerId="LiveId" clId="{61E43983-74B9-4925-A0C4-55DE45237742}" dt="2020-12-08T15:02:02.217" v="15" actId="1036"/>
-          <ac:picMkLst>
-            <pc:docMk/>
-            <pc:sldMk cId="3326398716" sldId="260"/>
-            <ac:picMk id="11" creationId="{E4387E32-B012-41C2-8519-ED0F839FC6A6}"/>
-          </ac:picMkLst>
-        </pc:picChg>
-        <pc:picChg chg="del">
-          <ac:chgData name="Lixiang Li" userId="6104bbfcb56aea79" providerId="LiveId" clId="{61E43983-74B9-4925-A0C4-55DE45237742}" dt="2020-12-08T15:01:54.468" v="3" actId="478"/>
-          <ac:picMkLst>
-            <pc:docMk/>
-            <pc:sldMk cId="3326398716" sldId="260"/>
-            <ac:picMk id="13" creationId="{68ED13C4-3D7B-4777-B195-0214999EB535}"/>
-          </ac:picMkLst>
-        </pc:picChg>
-      </pc:sldChg>
-      <pc:sldChg chg="addSp delSp modSp add setBg">
-        <pc:chgData name="Lixiang Li" userId="6104bbfcb56aea79" providerId="LiveId" clId="{61E43983-74B9-4925-A0C4-55DE45237742}" dt="2020-12-08T16:04:15.330" v="29" actId="14100"/>
-        <pc:sldMkLst>
-          <pc:docMk/>
-          <pc:sldMk cId="2148867391" sldId="261"/>
-        </pc:sldMkLst>
-        <pc:picChg chg="del">
-          <ac:chgData name="Lixiang Li" userId="6104bbfcb56aea79" providerId="LiveId" clId="{61E43983-74B9-4925-A0C4-55DE45237742}" dt="2020-12-08T15:02:07.420" v="16" actId="478"/>
-          <ac:picMkLst>
-            <pc:docMk/>
-            <pc:sldMk cId="2148867391" sldId="261"/>
-            <ac:picMk id="3" creationId="{9A2E8B13-B22A-49AC-A050-813911B3E9EE}"/>
-          </ac:picMkLst>
-        </pc:picChg>
-        <pc:picChg chg="add mod">
-          <ac:chgData name="Lixiang Li" userId="6104bbfcb56aea79" providerId="LiveId" clId="{61E43983-74B9-4925-A0C4-55DE45237742}" dt="2020-12-08T15:24:39.301" v="22" actId="1076"/>
-          <ac:picMkLst>
-            <pc:docMk/>
-            <pc:sldMk cId="2148867391" sldId="261"/>
-            <ac:picMk id="4" creationId="{77E1CBDB-A244-4638-903E-B45A5AA21B2F}"/>
-          </ac:picMkLst>
-        </pc:picChg>
-        <pc:picChg chg="del">
-          <ac:chgData name="Lixiang Li" userId="6104bbfcb56aea79" providerId="LiveId" clId="{61E43983-74B9-4925-A0C4-55DE45237742}" dt="2020-12-08T15:02:07.420" v="16" actId="478"/>
-          <ac:picMkLst>
-            <pc:docMk/>
-            <pc:sldMk cId="2148867391" sldId="261"/>
-            <ac:picMk id="5" creationId="{F1D17BD7-6295-45FF-A531-7B1B911887E4}"/>
-          </ac:picMkLst>
-        </pc:picChg>
-        <pc:picChg chg="add mod">
-          <ac:chgData name="Lixiang Li" userId="6104bbfcb56aea79" providerId="LiveId" clId="{61E43983-74B9-4925-A0C4-55DE45237742}" dt="2020-12-08T15:56:38.120" v="26" actId="1076"/>
-          <ac:picMkLst>
-            <pc:docMk/>
-            <pc:sldMk cId="2148867391" sldId="261"/>
-            <ac:picMk id="6" creationId="{C86922C7-D634-4139-A0CE-83A3BF872E28}"/>
-          </ac:picMkLst>
-        </pc:picChg>
-        <pc:picChg chg="del">
-          <ac:chgData name="Lixiang Li" userId="6104bbfcb56aea79" providerId="LiveId" clId="{61E43983-74B9-4925-A0C4-55DE45237742}" dt="2020-12-08T15:02:07.420" v="16" actId="478"/>
-          <ac:picMkLst>
-            <pc:docMk/>
-            <pc:sldMk cId="2148867391" sldId="261"/>
-            <ac:picMk id="7" creationId="{249F4CA4-A5F7-4B45-AECE-8BF2367F185A}"/>
-          </ac:picMkLst>
-        </pc:picChg>
-        <pc:picChg chg="del">
-          <ac:chgData name="Lixiang Li" userId="6104bbfcb56aea79" providerId="LiveId" clId="{61E43983-74B9-4925-A0C4-55DE45237742}" dt="2020-12-08T15:02:07.420" v="16" actId="478"/>
-          <ac:picMkLst>
-            <pc:docMk/>
-            <pc:sldMk cId="2148867391" sldId="261"/>
-            <ac:picMk id="8" creationId="{D370D419-3E35-4D37-A45D-5FE39799715B}"/>
-          </ac:picMkLst>
-        </pc:picChg>
-        <pc:picChg chg="add mod">
-          <ac:chgData name="Lixiang Li" userId="6104bbfcb56aea79" providerId="LiveId" clId="{61E43983-74B9-4925-A0C4-55DE45237742}" dt="2020-12-08T16:04:15.330" v="29" actId="14100"/>
-          <ac:picMkLst>
-            <pc:docMk/>
-            <pc:sldMk cId="2148867391" sldId="261"/>
-            <ac:picMk id="9" creationId="{FB5AD115-9B8B-450E-9A83-43D625FDC6CA}"/>
-          </ac:picMkLst>
-        </pc:picChg>
-        <pc:picChg chg="del">
-          <ac:chgData name="Lixiang Li" userId="6104bbfcb56aea79" providerId="LiveId" clId="{61E43983-74B9-4925-A0C4-55DE45237742}" dt="2020-12-08T15:02:07.420" v="16" actId="478"/>
-          <ac:picMkLst>
-            <pc:docMk/>
-            <pc:sldMk cId="2148867391" sldId="261"/>
-            <ac:picMk id="11" creationId="{E4387E32-B012-41C2-8519-ED0F839FC6A6}"/>
-          </ac:picMkLst>
-        </pc:picChg>
-        <pc:picChg chg="mod">
-          <ac:chgData name="Lixiang Li" userId="6104bbfcb56aea79" providerId="LiveId" clId="{61E43983-74B9-4925-A0C4-55DE45237742}" dt="2020-12-08T15:24:37.286" v="21" actId="14100"/>
-          <ac:picMkLst>
-            <pc:docMk/>
-            <pc:sldMk cId="2148867391" sldId="261"/>
-            <ac:picMk id="13" creationId="{68ED13C4-3D7B-4777-B195-0214999EB535}"/>
-          </ac:picMkLst>
-        </pc:picChg>
-      </pc:sldChg>
-    </pc:docChg>
-  </pc:docChgLst>
-  <pc:docChgLst>
-    <pc:chgData name="Li Lixiang" userId="6104bbfcb56aea79" providerId="LiveId" clId="{B9446184-0E51-4ADC-8B7C-57AD638D7E44}"/>
-    <pc:docChg chg="custSel addSld delSld modSld sldOrd">
-      <pc:chgData name="Li Lixiang" userId="6104bbfcb56aea79" providerId="LiveId" clId="{B9446184-0E51-4ADC-8B7C-57AD638D7E44}" dt="2021-02-17T04:29:41.965" v="3123" actId="47"/>
-      <pc:docMkLst>
-        <pc:docMk/>
-      </pc:docMkLst>
-      <pc:sldChg chg="addSp modSp del mod">
-        <pc:chgData name="Li Lixiang" userId="6104bbfcb56aea79" providerId="LiveId" clId="{B9446184-0E51-4ADC-8B7C-57AD638D7E44}" dt="2021-02-17T03:43:12.258" v="2902" actId="47"/>
-        <pc:sldMkLst>
-          <pc:docMk/>
-          <pc:sldMk cId="647322237" sldId="259"/>
-        </pc:sldMkLst>
-        <pc:spChg chg="mod">
-          <ac:chgData name="Li Lixiang" userId="6104bbfcb56aea79" providerId="LiveId" clId="{B9446184-0E51-4ADC-8B7C-57AD638D7E44}" dt="2021-02-13T10:01:05.233" v="5" actId="20577"/>
-          <ac:spMkLst>
-            <pc:docMk/>
-            <pc:sldMk cId="647322237" sldId="259"/>
-            <ac:spMk id="2" creationId="{5EC01E2D-9CFE-4D5D-8863-3BA90731F07B}"/>
-          </ac:spMkLst>
-        </pc:spChg>
-        <pc:spChg chg="mod">
-          <ac:chgData name="Li Lixiang" userId="6104bbfcb56aea79" providerId="LiveId" clId="{B9446184-0E51-4ADC-8B7C-57AD638D7E44}" dt="2021-02-13T10:05:05.379" v="415" actId="27636"/>
-          <ac:spMkLst>
-            <pc:docMk/>
-            <pc:sldMk cId="647322237" sldId="259"/>
-            <ac:spMk id="5" creationId="{24C6C14A-404A-46CC-BBB2-888A7B4B7C1A}"/>
-          </ac:spMkLst>
-        </pc:spChg>
-        <pc:picChg chg="add mod">
-          <ac:chgData name="Li Lixiang" userId="6104bbfcb56aea79" providerId="LiveId" clId="{B9446184-0E51-4ADC-8B7C-57AD638D7E44}" dt="2021-02-13T10:04:30.503" v="332" actId="1076"/>
-          <ac:picMkLst>
-            <pc:docMk/>
-            <pc:sldMk cId="647322237" sldId="259"/>
-            <ac:picMk id="4" creationId="{46A59891-6D14-4C16-9F9C-EA95FDCEEFC4}"/>
-          </ac:picMkLst>
-        </pc:picChg>
-      </pc:sldChg>
-      <pc:sldChg chg="addSp delSp modSp del mod">
-        <pc:chgData name="Li Lixiang" userId="6104bbfcb56aea79" providerId="LiveId" clId="{B9446184-0E51-4ADC-8B7C-57AD638D7E44}" dt="2021-02-17T03:43:13.881" v="2903" actId="47"/>
-        <pc:sldMkLst>
-          <pc:docMk/>
-          <pc:sldMk cId="3957381771" sldId="263"/>
-        </pc:sldMkLst>
-        <pc:spChg chg="mod">
-          <ac:chgData name="Li Lixiang" userId="6104bbfcb56aea79" providerId="LiveId" clId="{B9446184-0E51-4ADC-8B7C-57AD638D7E44}" dt="2021-02-13T10:05:29.270" v="447" actId="20577"/>
-          <ac:spMkLst>
-            <pc:docMk/>
-            <pc:sldMk cId="3957381771" sldId="263"/>
-            <ac:spMk id="2" creationId="{5EC01E2D-9CFE-4D5D-8863-3BA90731F07B}"/>
-          </ac:spMkLst>
-        </pc:spChg>
-        <pc:spChg chg="del">
-          <ac:chgData name="Li Lixiang" userId="6104bbfcb56aea79" providerId="LiveId" clId="{B9446184-0E51-4ADC-8B7C-57AD638D7E44}" dt="2021-02-13T10:05:13.627" v="416" actId="478"/>
-          <ac:spMkLst>
-            <pc:docMk/>
-            <pc:sldMk cId="3957381771" sldId="263"/>
-            <ac:spMk id="8" creationId="{2591EF92-2BC2-453C-AE10-E7EA1FBB0758}"/>
-          </ac:spMkLst>
-        </pc:spChg>
-        <pc:spChg chg="mod">
-          <ac:chgData name="Li Lixiang" userId="6104bbfcb56aea79" providerId="LiveId" clId="{B9446184-0E51-4ADC-8B7C-57AD638D7E44}" dt="2021-02-13T10:06:50.768" v="573" actId="20577"/>
-          <ac:spMkLst>
-            <pc:docMk/>
-            <pc:sldMk cId="3957381771" sldId="263"/>
-            <ac:spMk id="9" creationId="{B3A91969-9FC0-40D6-97FB-CB169B0FD70D}"/>
-          </ac:spMkLst>
-        </pc:spChg>
-        <pc:picChg chg="add mod">
-          <ac:chgData name="Li Lixiang" userId="6104bbfcb56aea79" providerId="LiveId" clId="{B9446184-0E51-4ADC-8B7C-57AD638D7E44}" dt="2021-02-13T10:06:08.608" v="449" actId="1076"/>
-          <ac:picMkLst>
-            <pc:docMk/>
-            <pc:sldMk cId="3957381771" sldId="263"/>
-            <ac:picMk id="4" creationId="{707C2BDF-1151-4028-B04D-83827CF173DE}"/>
-          </ac:picMkLst>
-        </pc:picChg>
-      </pc:sldChg>
-      <pc:sldChg chg="addSp delSp modSp add del mod setBg">
-        <pc:chgData name="Li Lixiang" userId="6104bbfcb56aea79" providerId="LiveId" clId="{B9446184-0E51-4ADC-8B7C-57AD638D7E44}" dt="2021-02-17T04:29:41.965" v="3123" actId="47"/>
-        <pc:sldMkLst>
-          <pc:docMk/>
-          <pc:sldMk cId="2891839758" sldId="264"/>
-        </pc:sldMkLst>
-        <pc:spChg chg="mod">
-          <ac:chgData name="Li Lixiang" userId="6104bbfcb56aea79" providerId="LiveId" clId="{B9446184-0E51-4ADC-8B7C-57AD638D7E44}" dt="2021-02-13T13:23:42.940" v="890" actId="26606"/>
-          <ac:spMkLst>
-            <pc:docMk/>
-            <pc:sldMk cId="2891839758" sldId="264"/>
-            <ac:spMk id="2" creationId="{5EC01E2D-9CFE-4D5D-8863-3BA90731F07B}"/>
-          </ac:spMkLst>
-        </pc:spChg>
-        <pc:spChg chg="mod">
-          <ac:chgData name="Li Lixiang" userId="6104bbfcb56aea79" providerId="LiveId" clId="{B9446184-0E51-4ADC-8B7C-57AD638D7E44}" dt="2021-02-13T13:23:42.940" v="890" actId="26606"/>
-          <ac:spMkLst>
-            <pc:docMk/>
-            <pc:sldMk cId="2891839758" sldId="264"/>
-            <ac:spMk id="9" creationId="{B3A91969-9FC0-40D6-97FB-CB169B0FD70D}"/>
-          </ac:spMkLst>
-        </pc:spChg>
-        <pc:picChg chg="del">
-          <ac:chgData name="Li Lixiang" userId="6104bbfcb56aea79" providerId="LiveId" clId="{B9446184-0E51-4ADC-8B7C-57AD638D7E44}" dt="2021-02-13T10:06:59.166" v="575" actId="478"/>
-          <ac:picMkLst>
-            <pc:docMk/>
-            <pc:sldMk cId="2891839758" sldId="264"/>
-            <ac:picMk id="4" creationId="{707C2BDF-1151-4028-B04D-83827CF173DE}"/>
-          </ac:picMkLst>
-        </pc:picChg>
-        <pc:picChg chg="add del mod">
-          <ac:chgData name="Li Lixiang" userId="6104bbfcb56aea79" providerId="LiveId" clId="{B9446184-0E51-4ADC-8B7C-57AD638D7E44}" dt="2021-02-13T13:21:30.474" v="887" actId="478"/>
-          <ac:picMkLst>
-            <pc:docMk/>
-            <pc:sldMk cId="2891839758" sldId="264"/>
-            <ac:picMk id="5" creationId="{E655F772-94E9-40A8-A00E-42625C761EF8}"/>
-          </ac:picMkLst>
-        </pc:picChg>
-        <pc:picChg chg="add mod">
-          <ac:chgData name="Li Lixiang" userId="6104bbfcb56aea79" providerId="LiveId" clId="{B9446184-0E51-4ADC-8B7C-57AD638D7E44}" dt="2021-02-13T13:23:50.155" v="892" actId="14100"/>
-          <ac:picMkLst>
-            <pc:docMk/>
-            <pc:sldMk cId="2891839758" sldId="264"/>
-            <ac:picMk id="7" creationId="{2DA901EC-B9ED-445F-8796-2A298A631CA2}"/>
-          </ac:picMkLst>
-        </pc:picChg>
-      </pc:sldChg>
-      <pc:sldChg chg="modSp add del mod">
-        <pc:chgData name="Li Lixiang" userId="6104bbfcb56aea79" providerId="LiveId" clId="{B9446184-0E51-4ADC-8B7C-57AD638D7E44}" dt="2021-02-17T03:49:32.306" v="2905" actId="47"/>
-        <pc:sldMkLst>
-          <pc:docMk/>
-          <pc:sldMk cId="3556983529" sldId="265"/>
-        </pc:sldMkLst>
-        <pc:spChg chg="mod">
-          <ac:chgData name="Li Lixiang" userId="6104bbfcb56aea79" providerId="LiveId" clId="{B9446184-0E51-4ADC-8B7C-57AD638D7E44}" dt="2021-02-13T10:27:42.777" v="776" actId="20577"/>
-          <ac:spMkLst>
-            <pc:docMk/>
-            <pc:sldMk cId="3556983529" sldId="265"/>
-            <ac:spMk id="2" creationId="{5EC01E2D-9CFE-4D5D-8863-3BA90731F07B}"/>
-          </ac:spMkLst>
-        </pc:spChg>
-        <pc:spChg chg="mod">
-          <ac:chgData name="Li Lixiang" userId="6104bbfcb56aea79" providerId="LiveId" clId="{B9446184-0E51-4ADC-8B7C-57AD638D7E44}" dt="2021-02-13T14:40:37.005" v="1730" actId="20577"/>
-          <ac:spMkLst>
-            <pc:docMk/>
-            <pc:sldMk cId="3556983529" sldId="265"/>
-            <ac:spMk id="9" creationId="{B3A91969-9FC0-40D6-97FB-CB169B0FD70D}"/>
-          </ac:spMkLst>
-        </pc:spChg>
-      </pc:sldChg>
-      <pc:sldChg chg="addSp delSp modSp add del mod setBg">
-        <pc:chgData name="Li Lixiang" userId="6104bbfcb56aea79" providerId="LiveId" clId="{B9446184-0E51-4ADC-8B7C-57AD638D7E44}" dt="2021-02-17T03:48:35.937" v="2904" actId="47"/>
-        <pc:sldMkLst>
-          <pc:docMk/>
-          <pc:sldMk cId="2510953356" sldId="266"/>
-        </pc:sldMkLst>
-        <pc:spChg chg="mod">
-          <ac:chgData name="Li Lixiang" userId="6104bbfcb56aea79" providerId="LiveId" clId="{B9446184-0E51-4ADC-8B7C-57AD638D7E44}" dt="2021-02-13T13:24:39.222" v="912" actId="20577"/>
-          <ac:spMkLst>
-            <pc:docMk/>
-            <pc:sldMk cId="2510953356" sldId="266"/>
-            <ac:spMk id="2" creationId="{5EC01E2D-9CFE-4D5D-8863-3BA90731F07B}"/>
-          </ac:spMkLst>
-        </pc:spChg>
-        <pc:spChg chg="mod">
-          <ac:chgData name="Li Lixiang" userId="6104bbfcb56aea79" providerId="LiveId" clId="{B9446184-0E51-4ADC-8B7C-57AD638D7E44}" dt="2021-02-13T14:15:10.839" v="1582" actId="27636"/>
-          <ac:spMkLst>
-            <pc:docMk/>
-            <pc:sldMk cId="2510953356" sldId="266"/>
-            <ac:spMk id="9" creationId="{B3A91969-9FC0-40D6-97FB-CB169B0FD70D}"/>
-          </ac:spMkLst>
-        </pc:spChg>
-        <pc:graphicFrameChg chg="add mod modGraphic">
-          <ac:chgData name="Li Lixiang" userId="6104bbfcb56aea79" providerId="LiveId" clId="{B9446184-0E51-4ADC-8B7C-57AD638D7E44}" dt="2021-02-13T13:45:29.151" v="1294" actId="1076"/>
-          <ac:graphicFrameMkLst>
-            <pc:docMk/>
-            <pc:sldMk cId="2510953356" sldId="266"/>
-            <ac:graphicFrameMk id="5" creationId="{485E8036-9BD6-4845-88C1-A13EE7B17B61}"/>
-          </ac:graphicFrameMkLst>
-        </pc:graphicFrameChg>
-        <pc:picChg chg="add mod">
-          <ac:chgData name="Li Lixiang" userId="6104bbfcb56aea79" providerId="LiveId" clId="{B9446184-0E51-4ADC-8B7C-57AD638D7E44}" dt="2021-02-13T13:45:24.342" v="1293" actId="1076"/>
-          <ac:picMkLst>
-            <pc:docMk/>
-            <pc:sldMk cId="2510953356" sldId="266"/>
-            <ac:picMk id="4" creationId="{5ED14188-1386-43D0-9190-649C1BFE0895}"/>
-          </ac:picMkLst>
-        </pc:picChg>
-        <pc:picChg chg="del">
-          <ac:chgData name="Li Lixiang" userId="6104bbfcb56aea79" providerId="LiveId" clId="{B9446184-0E51-4ADC-8B7C-57AD638D7E44}" dt="2021-02-13T13:24:30.822" v="894" actId="478"/>
-          <ac:picMkLst>
-            <pc:docMk/>
-            <pc:sldMk cId="2510953356" sldId="266"/>
-            <ac:picMk id="7" creationId="{2DA901EC-B9ED-445F-8796-2A298A631CA2}"/>
-          </ac:picMkLst>
-        </pc:picChg>
-      </pc:sldChg>
-      <pc:sldChg chg="addSp delSp modSp add del mod ord">
-        <pc:chgData name="Li Lixiang" userId="6104bbfcb56aea79" providerId="LiveId" clId="{B9446184-0E51-4ADC-8B7C-57AD638D7E44}" dt="2021-02-17T04:25:49.901" v="2912" actId="47"/>
-        <pc:sldMkLst>
-          <pc:docMk/>
-          <pc:sldMk cId="2292985044" sldId="267"/>
-        </pc:sldMkLst>
-        <pc:spChg chg="mod">
-          <ac:chgData name="Li Lixiang" userId="6104bbfcb56aea79" providerId="LiveId" clId="{B9446184-0E51-4ADC-8B7C-57AD638D7E44}" dt="2021-02-13T15:24:45.578" v="2269" actId="14100"/>
-          <ac:spMkLst>
-            <pc:docMk/>
-            <pc:sldMk cId="2292985044" sldId="267"/>
-            <ac:spMk id="2" creationId="{5EC01E2D-9CFE-4D5D-8863-3BA90731F07B}"/>
-          </ac:spMkLst>
-        </pc:spChg>
-        <pc:spChg chg="mod">
-          <ac:chgData name="Li Lixiang" userId="6104bbfcb56aea79" providerId="LiveId" clId="{B9446184-0E51-4ADC-8B7C-57AD638D7E44}" dt="2021-02-13T15:24:48.843" v="2270" actId="14100"/>
-          <ac:spMkLst>
-            <pc:docMk/>
-            <pc:sldMk cId="2292985044" sldId="267"/>
-            <ac:spMk id="9" creationId="{B3A91969-9FC0-40D6-97FB-CB169B0FD70D}"/>
-          </ac:spMkLst>
-        </pc:spChg>
-        <pc:graphicFrameChg chg="add del mod modGraphic">
-          <ac:chgData name="Li Lixiang" userId="6104bbfcb56aea79" providerId="LiveId" clId="{B9446184-0E51-4ADC-8B7C-57AD638D7E44}" dt="2021-02-17T04:22:47.138" v="2908" actId="478"/>
-          <ac:graphicFrameMkLst>
-            <pc:docMk/>
-            <pc:sldMk cId="2292985044" sldId="267"/>
-            <ac:graphicFrameMk id="3" creationId="{D84780B3-319D-492D-A007-9A07BDBD415B}"/>
-          </ac:graphicFrameMkLst>
-        </pc:graphicFrameChg>
-        <pc:graphicFrameChg chg="del">
-          <ac:chgData name="Li Lixiang" userId="6104bbfcb56aea79" providerId="LiveId" clId="{B9446184-0E51-4ADC-8B7C-57AD638D7E44}" dt="2021-02-13T14:26:53.922" v="1584" actId="478"/>
-          <ac:graphicFrameMkLst>
-            <pc:docMk/>
-            <pc:sldMk cId="2292985044" sldId="267"/>
-            <ac:graphicFrameMk id="5" creationId="{485E8036-9BD6-4845-88C1-A13EE7B17B61}"/>
-          </ac:graphicFrameMkLst>
-        </pc:graphicFrameChg>
-        <pc:picChg chg="del">
-          <ac:chgData name="Li Lixiang" userId="6104bbfcb56aea79" providerId="LiveId" clId="{B9446184-0E51-4ADC-8B7C-57AD638D7E44}" dt="2021-02-13T14:26:54.789" v="1585" actId="478"/>
-          <ac:picMkLst>
-            <pc:docMk/>
-            <pc:sldMk cId="2292985044" sldId="267"/>
-            <ac:picMk id="4" creationId="{5ED14188-1386-43D0-9190-649C1BFE0895}"/>
-          </ac:picMkLst>
-        </pc:picChg>
-        <pc:picChg chg="add mod">
-          <ac:chgData name="Li Lixiang" userId="6104bbfcb56aea79" providerId="LiveId" clId="{B9446184-0E51-4ADC-8B7C-57AD638D7E44}" dt="2021-02-17T04:24:15.909" v="2911" actId="1076"/>
-          <ac:picMkLst>
-            <pc:docMk/>
-            <pc:sldMk cId="2292985044" sldId="267"/>
-            <ac:picMk id="5" creationId="{631E7553-A011-4B43-A638-C8BB45BD456D}"/>
-          </ac:picMkLst>
-        </pc:picChg>
-        <pc:picChg chg="add del mod">
-          <ac:chgData name="Li Lixiang" userId="6104bbfcb56aea79" providerId="LiveId" clId="{B9446184-0E51-4ADC-8B7C-57AD638D7E44}" dt="2021-02-17T04:22:47.138" v="2908" actId="478"/>
-          <ac:picMkLst>
-            <pc:docMk/>
-            <pc:sldMk cId="2292985044" sldId="267"/>
-            <ac:picMk id="7" creationId="{D684A5AE-6CD5-441A-8FA2-6E81CC81E54E}"/>
-          </ac:picMkLst>
-        </pc:picChg>
-      </pc:sldChg>
-      <pc:sldChg chg="modSp add del mod">
-        <pc:chgData name="Li Lixiang" userId="6104bbfcb56aea79" providerId="LiveId" clId="{B9446184-0E51-4ADC-8B7C-57AD638D7E44}" dt="2021-02-17T03:49:37.036" v="2906" actId="47"/>
-        <pc:sldMkLst>
-          <pc:docMk/>
-          <pc:sldMk cId="2280381234" sldId="268"/>
-        </pc:sldMkLst>
-        <pc:spChg chg="mod">
-          <ac:chgData name="Li Lixiang" userId="6104bbfcb56aea79" providerId="LiveId" clId="{B9446184-0E51-4ADC-8B7C-57AD638D7E44}" dt="2021-02-13T14:41:35.703" v="1740" actId="20577"/>
-          <ac:spMkLst>
-            <pc:docMk/>
-            <pc:sldMk cId="2280381234" sldId="268"/>
-            <ac:spMk id="2" creationId="{5EC01E2D-9CFE-4D5D-8863-3BA90731F07B}"/>
-          </ac:spMkLst>
-        </pc:spChg>
-        <pc:spChg chg="mod">
-          <ac:chgData name="Li Lixiang" userId="6104bbfcb56aea79" providerId="LiveId" clId="{B9446184-0E51-4ADC-8B7C-57AD638D7E44}" dt="2021-02-13T14:42:35.210" v="1892" actId="20577"/>
-          <ac:spMkLst>
-            <pc:docMk/>
-            <pc:sldMk cId="2280381234" sldId="268"/>
-            <ac:spMk id="9" creationId="{B3A91969-9FC0-40D6-97FB-CB169B0FD70D}"/>
-          </ac:spMkLst>
-        </pc:spChg>
-      </pc:sldChg>
-      <pc:sldChg chg="modSp add del mod">
-        <pc:chgData name="Li Lixiang" userId="6104bbfcb56aea79" providerId="LiveId" clId="{B9446184-0E51-4ADC-8B7C-57AD638D7E44}" dt="2021-02-17T03:49:43.502" v="2907" actId="47"/>
-        <pc:sldMkLst>
-          <pc:docMk/>
-          <pc:sldMk cId="2033969740" sldId="269"/>
-        </pc:sldMkLst>
-        <pc:spChg chg="mod">
-          <ac:chgData name="Li Lixiang" userId="6104bbfcb56aea79" providerId="LiveId" clId="{B9446184-0E51-4ADC-8B7C-57AD638D7E44}" dt="2021-02-13T14:48:05.593" v="2150" actId="20577"/>
-          <ac:spMkLst>
-            <pc:docMk/>
-            <pc:sldMk cId="2033969740" sldId="269"/>
-            <ac:spMk id="2" creationId="{5EC01E2D-9CFE-4D5D-8863-3BA90731F07B}"/>
-          </ac:spMkLst>
-        </pc:spChg>
-        <pc:spChg chg="mod">
-          <ac:chgData name="Li Lixiang" userId="6104bbfcb56aea79" providerId="LiveId" clId="{B9446184-0E51-4ADC-8B7C-57AD638D7E44}" dt="2021-02-13T14:47:47.391" v="2137" actId="20577"/>
-          <ac:spMkLst>
-            <pc:docMk/>
-            <pc:sldMk cId="2033969740" sldId="269"/>
-            <ac:spMk id="9" creationId="{B3A91969-9FC0-40D6-97FB-CB169B0FD70D}"/>
-          </ac:spMkLst>
-        </pc:spChg>
-      </pc:sldChg>
-      <pc:sldChg chg="modSp add del mod ord">
-        <pc:chgData name="Li Lixiang" userId="6104bbfcb56aea79" providerId="LiveId" clId="{B9446184-0E51-4ADC-8B7C-57AD638D7E44}" dt="2021-02-17T04:29:28.935" v="3118" actId="47"/>
-        <pc:sldMkLst>
-          <pc:docMk/>
-          <pc:sldMk cId="1819763317" sldId="270"/>
-        </pc:sldMkLst>
-        <pc:spChg chg="mod">
-          <ac:chgData name="Li Lixiang" userId="6104bbfcb56aea79" providerId="LiveId" clId="{B9446184-0E51-4ADC-8B7C-57AD638D7E44}" dt="2021-02-17T04:26:30.696" v="2945" actId="20577"/>
-          <ac:spMkLst>
-            <pc:docMk/>
-            <pc:sldMk cId="1819763317" sldId="270"/>
-            <ac:spMk id="2" creationId="{5EC01E2D-9CFE-4D5D-8863-3BA90731F07B}"/>
-          </ac:spMkLst>
-        </pc:spChg>
-        <pc:spChg chg="mod">
-          <ac:chgData name="Li Lixiang" userId="6104bbfcb56aea79" providerId="LiveId" clId="{B9446184-0E51-4ADC-8B7C-57AD638D7E44}" dt="2021-02-17T04:27:48.927" v="3117" actId="20577"/>
-          <ac:spMkLst>
-            <pc:docMk/>
-            <pc:sldMk cId="1819763317" sldId="270"/>
-            <ac:spMk id="9" creationId="{B3A91969-9FC0-40D6-97FB-CB169B0FD70D}"/>
-          </ac:spMkLst>
-        </pc:spChg>
-      </pc:sldChg>
-      <pc:sldChg chg="modSp add mod ord">
-        <pc:chgData name="Li Lixiang" userId="6104bbfcb56aea79" providerId="LiveId" clId="{B9446184-0E51-4ADC-8B7C-57AD638D7E44}" dt="2021-02-17T04:29:40.598" v="3122"/>
-        <pc:sldMkLst>
-          <pc:docMk/>
-          <pc:sldMk cId="1732110910" sldId="271"/>
-        </pc:sldMkLst>
-        <pc:spChg chg="mod">
-          <ac:chgData name="Li Lixiang" userId="6104bbfcb56aea79" providerId="LiveId" clId="{B9446184-0E51-4ADC-8B7C-57AD638D7E44}" dt="2021-02-13T15:28:01.081" v="2716" actId="5793"/>
-          <ac:spMkLst>
-            <pc:docMk/>
-            <pc:sldMk cId="1732110910" sldId="271"/>
-            <ac:spMk id="2" creationId="{5EC01E2D-9CFE-4D5D-8863-3BA90731F07B}"/>
-          </ac:spMkLst>
-        </pc:spChg>
-        <pc:spChg chg="mod">
-          <ac:chgData name="Li Lixiang" userId="6104bbfcb56aea79" providerId="LiveId" clId="{B9446184-0E51-4ADC-8B7C-57AD638D7E44}" dt="2021-02-13T15:29:21.921" v="2901" actId="14100"/>
-          <ac:spMkLst>
-            <pc:docMk/>
-            <pc:sldMk cId="1732110910" sldId="271"/>
             <ac:spMk id="9" creationId="{B3A91969-9FC0-40D6-97FB-CB169B0FD70D}"/>
           </ac:spMkLst>
         </pc:spChg>
@@ -782,75 +481,6 @@
             <pc:docMk/>
             <pc:sldMk cId="3650079851" sldId="256"/>
             <ac:spMk id="4" creationId="{8DE6899A-D842-4C9E-ADC1-B0C1377122EA}"/>
-          </ac:spMkLst>
-        </pc:spChg>
-      </pc:sldChg>
-    </pc:docChg>
-  </pc:docChgLst>
-  <pc:docChgLst>
-    <pc:chgData name="Li Lixiang" userId="6104bbfcb56aea79" providerId="LiveId" clId="{3D3ACAA3-0668-4630-B75C-0D115881036C}"/>
-    <pc:docChg chg="modSld">
-      <pc:chgData name="Li Lixiang" userId="6104bbfcb56aea79" providerId="LiveId" clId="{3D3ACAA3-0668-4630-B75C-0D115881036C}" dt="2021-09-02T03:34:28.158" v="39" actId="20577"/>
-      <pc:docMkLst>
-        <pc:docMk/>
-      </pc:docMkLst>
-      <pc:sldChg chg="modSp mod">
-        <pc:chgData name="Li Lixiang" userId="6104bbfcb56aea79" providerId="LiveId" clId="{3D3ACAA3-0668-4630-B75C-0D115881036C}" dt="2021-08-28T02:38:56.089" v="0" actId="20577"/>
-        <pc:sldMkLst>
-          <pc:docMk/>
-          <pc:sldMk cId="3650079851" sldId="256"/>
-        </pc:sldMkLst>
-        <pc:spChg chg="mod">
-          <ac:chgData name="Li Lixiang" userId="6104bbfcb56aea79" providerId="LiveId" clId="{3D3ACAA3-0668-4630-B75C-0D115881036C}" dt="2021-08-28T02:38:56.089" v="0" actId="20577"/>
-          <ac:spMkLst>
-            <pc:docMk/>
-            <pc:sldMk cId="3650079851" sldId="256"/>
-            <ac:spMk id="4" creationId="{8DE6899A-D842-4C9E-ADC1-B0C1377122EA}"/>
-          </ac:spMkLst>
-        </pc:spChg>
-      </pc:sldChg>
-      <pc:sldChg chg="modSp mod">
-        <pc:chgData name="Li Lixiang" userId="6104bbfcb56aea79" providerId="LiveId" clId="{3D3ACAA3-0668-4630-B75C-0D115881036C}" dt="2021-09-02T03:34:28.158" v="39" actId="20577"/>
-        <pc:sldMkLst>
-          <pc:docMk/>
-          <pc:sldMk cId="2828961167" sldId="272"/>
-        </pc:sldMkLst>
-        <pc:spChg chg="mod">
-          <ac:chgData name="Li Lixiang" userId="6104bbfcb56aea79" providerId="LiveId" clId="{3D3ACAA3-0668-4630-B75C-0D115881036C}" dt="2021-09-02T03:34:28.158" v="39" actId="20577"/>
-          <ac:spMkLst>
-            <pc:docMk/>
-            <pc:sldMk cId="2828961167" sldId="272"/>
-            <ac:spMk id="9" creationId="{B3A91969-9FC0-40D6-97FB-CB169B0FD70D}"/>
-          </ac:spMkLst>
-        </pc:spChg>
-      </pc:sldChg>
-      <pc:sldChg chg="modSp mod">
-        <pc:chgData name="Li Lixiang" userId="6104bbfcb56aea79" providerId="LiveId" clId="{3D3ACAA3-0668-4630-B75C-0D115881036C}" dt="2021-09-02T03:33:14.845" v="8" actId="20577"/>
-        <pc:sldMkLst>
-          <pc:docMk/>
-          <pc:sldMk cId="2389731973" sldId="273"/>
-        </pc:sldMkLst>
-        <pc:spChg chg="mod">
-          <ac:chgData name="Li Lixiang" userId="6104bbfcb56aea79" providerId="LiveId" clId="{3D3ACAA3-0668-4630-B75C-0D115881036C}" dt="2021-09-02T03:33:14.845" v="8" actId="20577"/>
-          <ac:spMkLst>
-            <pc:docMk/>
-            <pc:sldMk cId="2389731973" sldId="273"/>
-            <ac:spMk id="9" creationId="{B3A91969-9FC0-40D6-97FB-CB169B0FD70D}"/>
-          </ac:spMkLst>
-        </pc:spChg>
-      </pc:sldChg>
-      <pc:sldChg chg="modSp mod">
-        <pc:chgData name="Li Lixiang" userId="6104bbfcb56aea79" providerId="LiveId" clId="{3D3ACAA3-0668-4630-B75C-0D115881036C}" dt="2021-09-02T03:30:47.518" v="6" actId="20577"/>
-        <pc:sldMkLst>
-          <pc:docMk/>
-          <pc:sldMk cId="796817006" sldId="279"/>
-        </pc:sldMkLst>
-        <pc:spChg chg="mod">
-          <ac:chgData name="Li Lixiang" userId="6104bbfcb56aea79" providerId="LiveId" clId="{3D3ACAA3-0668-4630-B75C-0D115881036C}" dt="2021-09-02T03:30:47.518" v="6" actId="20577"/>
-          <ac:spMkLst>
-            <pc:docMk/>
-            <pc:sldMk cId="796817006" sldId="279"/>
-            <ac:spMk id="9" creationId="{B3A91969-9FC0-40D6-97FB-CB169B0FD70D}"/>
           </ac:spMkLst>
         </pc:spChg>
       </pc:sldChg>
@@ -1004,20 +634,20 @@
     </pc:docChg>
   </pc:docChgLst>
   <pc:docChgLst>
-    <pc:chgData name="Li Lixiang" userId="6104bbfcb56aea79" providerId="LiveId" clId="{071FCB63-C3B8-4D0E-9D77-42FB0FCF0B6E}"/>
-    <pc:docChg chg="custSel modSld">
-      <pc:chgData name="Li Lixiang" userId="6104bbfcb56aea79" providerId="LiveId" clId="{071FCB63-C3B8-4D0E-9D77-42FB0FCF0B6E}" dt="2021-02-27T03:05:10.520" v="311" actId="27636"/>
+    <pc:chgData name="Li Lixiang" userId="6104bbfcb56aea79" providerId="LiveId" clId="{A099C6D8-1B0D-49ED-A352-7F394CFD410C}"/>
+    <pc:docChg chg="custSel addSld modSld sldOrd">
+      <pc:chgData name="Li Lixiang" userId="6104bbfcb56aea79" providerId="LiveId" clId="{A099C6D8-1B0D-49ED-A352-7F394CFD410C}" dt="2021-08-12T07:28:18.412" v="374" actId="20577"/>
       <pc:docMkLst>
         <pc:docMk/>
       </pc:docMkLst>
       <pc:sldChg chg="modSp mod">
-        <pc:chgData name="Li Lixiang" userId="6104bbfcb56aea79" providerId="LiveId" clId="{071FCB63-C3B8-4D0E-9D77-42FB0FCF0B6E}" dt="2021-02-27T02:59:22.364" v="1" actId="20577"/>
+        <pc:chgData name="Li Lixiang" userId="6104bbfcb56aea79" providerId="LiveId" clId="{A099C6D8-1B0D-49ED-A352-7F394CFD410C}" dt="2021-08-12T07:28:18.412" v="374" actId="20577"/>
         <pc:sldMkLst>
           <pc:docMk/>
           <pc:sldMk cId="3650079851" sldId="256"/>
         </pc:sldMkLst>
         <pc:spChg chg="mod">
-          <ac:chgData name="Li Lixiang" userId="6104bbfcb56aea79" providerId="LiveId" clId="{071FCB63-C3B8-4D0E-9D77-42FB0FCF0B6E}" dt="2021-02-27T02:59:22.364" v="1" actId="20577"/>
+          <ac:chgData name="Li Lixiang" userId="6104bbfcb56aea79" providerId="LiveId" clId="{A099C6D8-1B0D-49ED-A352-7F394CFD410C}" dt="2021-08-12T07:28:18.412" v="374" actId="20577"/>
           <ac:spMkLst>
             <pc:docMk/>
             <pc:sldMk cId="3650079851" sldId="256"/>
@@ -1025,14 +655,14 @@
           </ac:spMkLst>
         </pc:spChg>
       </pc:sldChg>
-      <pc:sldChg chg="modSp mod">
-        <pc:chgData name="Li Lixiang" userId="6104bbfcb56aea79" providerId="LiveId" clId="{071FCB63-C3B8-4D0E-9D77-42FB0FCF0B6E}" dt="2021-02-27T03:05:10.520" v="311" actId="27636"/>
+      <pc:sldChg chg="modSp mod ord">
+        <pc:chgData name="Li Lixiang" userId="6104bbfcb56aea79" providerId="LiveId" clId="{A099C6D8-1B0D-49ED-A352-7F394CFD410C}" dt="2021-08-11T13:13:46.487" v="372"/>
         <pc:sldMkLst>
           <pc:docMk/>
           <pc:sldMk cId="1732110910" sldId="271"/>
         </pc:sldMkLst>
         <pc:spChg chg="mod">
-          <ac:chgData name="Li Lixiang" userId="6104bbfcb56aea79" providerId="LiveId" clId="{071FCB63-C3B8-4D0E-9D77-42FB0FCF0B6E}" dt="2021-02-27T03:01:43.777" v="27" actId="20577"/>
+          <ac:chgData name="Li Lixiang" userId="6104bbfcb56aea79" providerId="LiveId" clId="{A099C6D8-1B0D-49ED-A352-7F394CFD410C}" dt="2021-08-11T11:47:34.317" v="11" actId="20577"/>
           <ac:spMkLst>
             <pc:docMk/>
             <pc:sldMk cId="1732110910" sldId="271"/>
@@ -1040,11 +670,185 @@
           </ac:spMkLst>
         </pc:spChg>
         <pc:spChg chg="mod">
-          <ac:chgData name="Li Lixiang" userId="6104bbfcb56aea79" providerId="LiveId" clId="{071FCB63-C3B8-4D0E-9D77-42FB0FCF0B6E}" dt="2021-02-27T03:05:10.520" v="311" actId="27636"/>
+          <ac:chgData name="Li Lixiang" userId="6104bbfcb56aea79" providerId="LiveId" clId="{A099C6D8-1B0D-49ED-A352-7F394CFD410C}" dt="2021-08-11T13:13:30.513" v="370" actId="20577"/>
           <ac:spMkLst>
             <pc:docMk/>
             <pc:sldMk cId="1732110910" sldId="271"/>
             <ac:spMk id="9" creationId="{B3A91969-9FC0-40D6-97FB-CB169B0FD70D}"/>
+          </ac:spMkLst>
+        </pc:spChg>
+      </pc:sldChg>
+      <pc:sldChg chg="add">
+        <pc:chgData name="Li Lixiang" userId="6104bbfcb56aea79" providerId="LiveId" clId="{A099C6D8-1B0D-49ED-A352-7F394CFD410C}" dt="2021-08-11T11:47:28.291" v="0"/>
+        <pc:sldMkLst>
+          <pc:docMk/>
+          <pc:sldMk cId="796817006" sldId="279"/>
+        </pc:sldMkLst>
+      </pc:sldChg>
+    </pc:docChg>
+  </pc:docChgLst>
+  <pc:docChgLst>
+    <pc:chgData name="Lixiang Li" userId="6104bbfcb56aea79" providerId="LiveId" clId="{61E43983-74B9-4925-A0C4-55DE45237742}"/>
+    <pc:docChg chg="custSel addSld modSld">
+      <pc:chgData name="Lixiang Li" userId="6104bbfcb56aea79" providerId="LiveId" clId="{61E43983-74B9-4925-A0C4-55DE45237742}" dt="2020-12-08T16:04:15.330" v="29" actId="14100"/>
+      <pc:docMkLst>
+        <pc:docMk/>
+      </pc:docMkLst>
+      <pc:sldChg chg="delSp modSp">
+        <pc:chgData name="Lixiang Li" userId="6104bbfcb56aea79" providerId="LiveId" clId="{61E43983-74B9-4925-A0C4-55DE45237742}" dt="2020-12-08T15:02:02.217" v="15" actId="1036"/>
+        <pc:sldMkLst>
+          <pc:docMk/>
+          <pc:sldMk cId="3326398716" sldId="260"/>
+        </pc:sldMkLst>
+        <pc:picChg chg="mod">
+          <ac:chgData name="Lixiang Li" userId="6104bbfcb56aea79" providerId="LiveId" clId="{61E43983-74B9-4925-A0C4-55DE45237742}" dt="2020-12-08T15:02:02.217" v="15" actId="1036"/>
+          <ac:picMkLst>
+            <pc:docMk/>
+            <pc:sldMk cId="3326398716" sldId="260"/>
+            <ac:picMk id="3" creationId="{9A2E8B13-B22A-49AC-A050-813911B3E9EE}"/>
+          </ac:picMkLst>
+        </pc:picChg>
+        <pc:picChg chg="mod">
+          <ac:chgData name="Lixiang Li" userId="6104bbfcb56aea79" providerId="LiveId" clId="{61E43983-74B9-4925-A0C4-55DE45237742}" dt="2020-12-08T15:02:02.217" v="15" actId="1036"/>
+          <ac:picMkLst>
+            <pc:docMk/>
+            <pc:sldMk cId="3326398716" sldId="260"/>
+            <ac:picMk id="5" creationId="{F1D17BD7-6295-45FF-A531-7B1B911887E4}"/>
+          </ac:picMkLst>
+        </pc:picChg>
+        <pc:picChg chg="mod">
+          <ac:chgData name="Lixiang Li" userId="6104bbfcb56aea79" providerId="LiveId" clId="{61E43983-74B9-4925-A0C4-55DE45237742}" dt="2020-12-08T15:02:02.217" v="15" actId="1036"/>
+          <ac:picMkLst>
+            <pc:docMk/>
+            <pc:sldMk cId="3326398716" sldId="260"/>
+            <ac:picMk id="7" creationId="{249F4CA4-A5F7-4B45-AECE-8BF2367F185A}"/>
+          </ac:picMkLst>
+        </pc:picChg>
+        <pc:picChg chg="mod">
+          <ac:chgData name="Lixiang Li" userId="6104bbfcb56aea79" providerId="LiveId" clId="{61E43983-74B9-4925-A0C4-55DE45237742}" dt="2020-12-08T15:02:02.217" v="15" actId="1036"/>
+          <ac:picMkLst>
+            <pc:docMk/>
+            <pc:sldMk cId="3326398716" sldId="260"/>
+            <ac:picMk id="8" creationId="{D370D419-3E35-4D37-A45D-5FE39799715B}"/>
+          </ac:picMkLst>
+        </pc:picChg>
+        <pc:picChg chg="mod">
+          <ac:chgData name="Lixiang Li" userId="6104bbfcb56aea79" providerId="LiveId" clId="{61E43983-74B9-4925-A0C4-55DE45237742}" dt="2020-12-08T15:02:02.217" v="15" actId="1036"/>
+          <ac:picMkLst>
+            <pc:docMk/>
+            <pc:sldMk cId="3326398716" sldId="260"/>
+            <ac:picMk id="11" creationId="{E4387E32-B012-41C2-8519-ED0F839FC6A6}"/>
+          </ac:picMkLst>
+        </pc:picChg>
+        <pc:picChg chg="del">
+          <ac:chgData name="Lixiang Li" userId="6104bbfcb56aea79" providerId="LiveId" clId="{61E43983-74B9-4925-A0C4-55DE45237742}" dt="2020-12-08T15:01:54.468" v="3" actId="478"/>
+          <ac:picMkLst>
+            <pc:docMk/>
+            <pc:sldMk cId="3326398716" sldId="260"/>
+            <ac:picMk id="13" creationId="{68ED13C4-3D7B-4777-B195-0214999EB535}"/>
+          </ac:picMkLst>
+        </pc:picChg>
+      </pc:sldChg>
+      <pc:sldChg chg="addSp delSp modSp add setBg">
+        <pc:chgData name="Lixiang Li" userId="6104bbfcb56aea79" providerId="LiveId" clId="{61E43983-74B9-4925-A0C4-55DE45237742}" dt="2020-12-08T16:04:15.330" v="29" actId="14100"/>
+        <pc:sldMkLst>
+          <pc:docMk/>
+          <pc:sldMk cId="2148867391" sldId="261"/>
+        </pc:sldMkLst>
+        <pc:picChg chg="del">
+          <ac:chgData name="Lixiang Li" userId="6104bbfcb56aea79" providerId="LiveId" clId="{61E43983-74B9-4925-A0C4-55DE45237742}" dt="2020-12-08T15:02:07.420" v="16" actId="478"/>
+          <ac:picMkLst>
+            <pc:docMk/>
+            <pc:sldMk cId="2148867391" sldId="261"/>
+            <ac:picMk id="3" creationId="{9A2E8B13-B22A-49AC-A050-813911B3E9EE}"/>
+          </ac:picMkLst>
+        </pc:picChg>
+        <pc:picChg chg="add mod">
+          <ac:chgData name="Lixiang Li" userId="6104bbfcb56aea79" providerId="LiveId" clId="{61E43983-74B9-4925-A0C4-55DE45237742}" dt="2020-12-08T15:24:39.301" v="22" actId="1076"/>
+          <ac:picMkLst>
+            <pc:docMk/>
+            <pc:sldMk cId="2148867391" sldId="261"/>
+            <ac:picMk id="4" creationId="{77E1CBDB-A244-4638-903E-B45A5AA21B2F}"/>
+          </ac:picMkLst>
+        </pc:picChg>
+        <pc:picChg chg="del">
+          <ac:chgData name="Lixiang Li" userId="6104bbfcb56aea79" providerId="LiveId" clId="{61E43983-74B9-4925-A0C4-55DE45237742}" dt="2020-12-08T15:02:07.420" v="16" actId="478"/>
+          <ac:picMkLst>
+            <pc:docMk/>
+            <pc:sldMk cId="2148867391" sldId="261"/>
+            <ac:picMk id="5" creationId="{F1D17BD7-6295-45FF-A531-7B1B911887E4}"/>
+          </ac:picMkLst>
+        </pc:picChg>
+        <pc:picChg chg="add mod">
+          <ac:chgData name="Lixiang Li" userId="6104bbfcb56aea79" providerId="LiveId" clId="{61E43983-74B9-4925-A0C4-55DE45237742}" dt="2020-12-08T15:56:38.120" v="26" actId="1076"/>
+          <ac:picMkLst>
+            <pc:docMk/>
+            <pc:sldMk cId="2148867391" sldId="261"/>
+            <ac:picMk id="6" creationId="{C86922C7-D634-4139-A0CE-83A3BF872E28}"/>
+          </ac:picMkLst>
+        </pc:picChg>
+        <pc:picChg chg="del">
+          <ac:chgData name="Lixiang Li" userId="6104bbfcb56aea79" providerId="LiveId" clId="{61E43983-74B9-4925-A0C4-55DE45237742}" dt="2020-12-08T15:02:07.420" v="16" actId="478"/>
+          <ac:picMkLst>
+            <pc:docMk/>
+            <pc:sldMk cId="2148867391" sldId="261"/>
+            <ac:picMk id="7" creationId="{249F4CA4-A5F7-4B45-AECE-8BF2367F185A}"/>
+          </ac:picMkLst>
+        </pc:picChg>
+        <pc:picChg chg="del">
+          <ac:chgData name="Lixiang Li" userId="6104bbfcb56aea79" providerId="LiveId" clId="{61E43983-74B9-4925-A0C4-55DE45237742}" dt="2020-12-08T15:02:07.420" v="16" actId="478"/>
+          <ac:picMkLst>
+            <pc:docMk/>
+            <pc:sldMk cId="2148867391" sldId="261"/>
+            <ac:picMk id="8" creationId="{D370D419-3E35-4D37-A45D-5FE39799715B}"/>
+          </ac:picMkLst>
+        </pc:picChg>
+        <pc:picChg chg="add mod">
+          <ac:chgData name="Lixiang Li" userId="6104bbfcb56aea79" providerId="LiveId" clId="{61E43983-74B9-4925-A0C4-55DE45237742}" dt="2020-12-08T16:04:15.330" v="29" actId="14100"/>
+          <ac:picMkLst>
+            <pc:docMk/>
+            <pc:sldMk cId="2148867391" sldId="261"/>
+            <ac:picMk id="9" creationId="{FB5AD115-9B8B-450E-9A83-43D625FDC6CA}"/>
+          </ac:picMkLst>
+        </pc:picChg>
+        <pc:picChg chg="del">
+          <ac:chgData name="Lixiang Li" userId="6104bbfcb56aea79" providerId="LiveId" clId="{61E43983-74B9-4925-A0C4-55DE45237742}" dt="2020-12-08T15:02:07.420" v="16" actId="478"/>
+          <ac:picMkLst>
+            <pc:docMk/>
+            <pc:sldMk cId="2148867391" sldId="261"/>
+            <ac:picMk id="11" creationId="{E4387E32-B012-41C2-8519-ED0F839FC6A6}"/>
+          </ac:picMkLst>
+        </pc:picChg>
+        <pc:picChg chg="mod">
+          <ac:chgData name="Lixiang Li" userId="6104bbfcb56aea79" providerId="LiveId" clId="{61E43983-74B9-4925-A0C4-55DE45237742}" dt="2020-12-08T15:24:37.286" v="21" actId="14100"/>
+          <ac:picMkLst>
+            <pc:docMk/>
+            <pc:sldMk cId="2148867391" sldId="261"/>
+            <ac:picMk id="13" creationId="{68ED13C4-3D7B-4777-B195-0214999EB535}"/>
+          </ac:picMkLst>
+        </pc:picChg>
+      </pc:sldChg>
+    </pc:docChg>
+  </pc:docChgLst>
+  <pc:docChgLst>
+    <pc:chgData name="Li Lixiang" userId="6104bbfcb56aea79" providerId="LiveId" clId="{A4D9CFF4-2EF0-4046-91A9-36D5882D0A95}"/>
+    <pc:docChg chg="modSld">
+      <pc:chgData name="Li Lixiang" userId="6104bbfcb56aea79" providerId="LiveId" clId="{A4D9CFF4-2EF0-4046-91A9-36D5882D0A95}" dt="2023-04-26T02:05:42.144" v="1" actId="20577"/>
+      <pc:docMkLst>
+        <pc:docMk/>
+      </pc:docMkLst>
+      <pc:sldChg chg="modSp mod">
+        <pc:chgData name="Li Lixiang" userId="6104bbfcb56aea79" providerId="LiveId" clId="{A4D9CFF4-2EF0-4046-91A9-36D5882D0A95}" dt="2023-04-26T02:05:42.144" v="1" actId="20577"/>
+        <pc:sldMkLst>
+          <pc:docMk/>
+          <pc:sldMk cId="3650079851" sldId="256"/>
+        </pc:sldMkLst>
+        <pc:spChg chg="mod">
+          <ac:chgData name="Li Lixiang" userId="6104bbfcb56aea79" providerId="LiveId" clId="{A4D9CFF4-2EF0-4046-91A9-36D5882D0A95}" dt="2023-04-26T02:05:42.144" v="1" actId="20577"/>
+          <ac:spMkLst>
+            <pc:docMk/>
+            <pc:sldMk cId="3650079851" sldId="256"/>
+            <ac:spMk id="4" creationId="{8DE6899A-D842-4C9E-ADC1-B0C1377122EA}"/>
           </ac:spMkLst>
         </pc:spChg>
       </pc:sldChg>
@@ -1427,112 +1231,339 @@
     </pc:docChg>
   </pc:docChgLst>
   <pc:docChgLst>
-    <pc:chgData name="Li Lixiang" userId="6104bbfcb56aea79" providerId="LiveId" clId="{C264A2B5-62E8-41A3-AC8C-3290B0C302EA}"/>
-    <pc:docChg chg="undo redo custSel addSld modSld sldOrd">
-      <pc:chgData name="Li Lixiang" userId="6104bbfcb56aea79" providerId="LiveId" clId="{C264A2B5-62E8-41A3-AC8C-3290B0C302EA}" dt="2021-05-17T10:37:42.894" v="953"/>
+    <pc:chgData name="Li Lixiang" userId="6104bbfcb56aea79" providerId="LiveId" clId="{B9446184-0E51-4ADC-8B7C-57AD638D7E44}"/>
+    <pc:docChg chg="custSel addSld delSld modSld sldOrd">
+      <pc:chgData name="Li Lixiang" userId="6104bbfcb56aea79" providerId="LiveId" clId="{B9446184-0E51-4ADC-8B7C-57AD638D7E44}" dt="2021-02-17T04:29:41.965" v="3123" actId="47"/>
       <pc:docMkLst>
         <pc:docMk/>
       </pc:docMkLst>
-      <pc:sldChg chg="modSp mod">
-        <pc:chgData name="Li Lixiang" userId="6104bbfcb56aea79" providerId="LiveId" clId="{C264A2B5-62E8-41A3-AC8C-3290B0C302EA}" dt="2021-05-17T08:27:19.182" v="10" actId="20577"/>
+      <pc:sldChg chg="addSp modSp del mod">
+        <pc:chgData name="Li Lixiang" userId="6104bbfcb56aea79" providerId="LiveId" clId="{B9446184-0E51-4ADC-8B7C-57AD638D7E44}" dt="2021-02-17T03:43:12.258" v="2902" actId="47"/>
         <pc:sldMkLst>
           <pc:docMk/>
-          <pc:sldMk cId="3650079851" sldId="256"/>
+          <pc:sldMk cId="647322237" sldId="259"/>
         </pc:sldMkLst>
         <pc:spChg chg="mod">
-          <ac:chgData name="Li Lixiang" userId="6104bbfcb56aea79" providerId="LiveId" clId="{C264A2B5-62E8-41A3-AC8C-3290B0C302EA}" dt="2021-05-17T08:27:19.182" v="10" actId="20577"/>
+          <ac:chgData name="Li Lixiang" userId="6104bbfcb56aea79" providerId="LiveId" clId="{B9446184-0E51-4ADC-8B7C-57AD638D7E44}" dt="2021-02-13T10:01:05.233" v="5" actId="20577"/>
           <ac:spMkLst>
             <pc:docMk/>
-            <pc:sldMk cId="3650079851" sldId="256"/>
-            <ac:spMk id="4" creationId="{8DE6899A-D842-4C9E-ADC1-B0C1377122EA}"/>
-          </ac:spMkLst>
-        </pc:spChg>
-      </pc:sldChg>
-      <pc:sldChg chg="ord">
-        <pc:chgData name="Li Lixiang" userId="6104bbfcb56aea79" providerId="LiveId" clId="{C264A2B5-62E8-41A3-AC8C-3290B0C302EA}" dt="2021-05-17T10:37:17.707" v="945"/>
-        <pc:sldMkLst>
-          <pc:docMk/>
-          <pc:sldMk cId="2389731973" sldId="273"/>
-        </pc:sldMkLst>
-      </pc:sldChg>
-      <pc:sldChg chg="modSp add mod ord">
-        <pc:chgData name="Li Lixiang" userId="6104bbfcb56aea79" providerId="LiveId" clId="{C264A2B5-62E8-41A3-AC8C-3290B0C302EA}" dt="2021-05-17T10:37:40.462" v="951"/>
-        <pc:sldMkLst>
-          <pc:docMk/>
-          <pc:sldMk cId="386236625" sldId="277"/>
-        </pc:sldMkLst>
-        <pc:spChg chg="mod">
-          <ac:chgData name="Li Lixiang" userId="6104bbfcb56aea79" providerId="LiveId" clId="{C264A2B5-62E8-41A3-AC8C-3290B0C302EA}" dt="2021-05-17T08:33:20.416" v="15" actId="20577"/>
-          <ac:spMkLst>
-            <pc:docMk/>
-            <pc:sldMk cId="386236625" sldId="277"/>
+            <pc:sldMk cId="647322237" sldId="259"/>
             <ac:spMk id="2" creationId="{5EC01E2D-9CFE-4D5D-8863-3BA90731F07B}"/>
           </ac:spMkLst>
         </pc:spChg>
         <pc:spChg chg="mod">
-          <ac:chgData name="Li Lixiang" userId="6104bbfcb56aea79" providerId="LiveId" clId="{C264A2B5-62E8-41A3-AC8C-3290B0C302EA}" dt="2021-05-17T09:06:35.265" v="632" actId="20577"/>
+          <ac:chgData name="Li Lixiang" userId="6104bbfcb56aea79" providerId="LiveId" clId="{B9446184-0E51-4ADC-8B7C-57AD638D7E44}" dt="2021-02-13T10:05:05.379" v="415" actId="27636"/>
           <ac:spMkLst>
             <pc:docMk/>
-            <pc:sldMk cId="386236625" sldId="277"/>
+            <pc:sldMk cId="647322237" sldId="259"/>
+            <ac:spMk id="5" creationId="{24C6C14A-404A-46CC-BBB2-888A7B4B7C1A}"/>
+          </ac:spMkLst>
+        </pc:spChg>
+        <pc:picChg chg="add mod">
+          <ac:chgData name="Li Lixiang" userId="6104bbfcb56aea79" providerId="LiveId" clId="{B9446184-0E51-4ADC-8B7C-57AD638D7E44}" dt="2021-02-13T10:04:30.503" v="332" actId="1076"/>
+          <ac:picMkLst>
+            <pc:docMk/>
+            <pc:sldMk cId="647322237" sldId="259"/>
+            <ac:picMk id="4" creationId="{46A59891-6D14-4C16-9F9C-EA95FDCEEFC4}"/>
+          </ac:picMkLst>
+        </pc:picChg>
+      </pc:sldChg>
+      <pc:sldChg chg="addSp delSp modSp del mod">
+        <pc:chgData name="Li Lixiang" userId="6104bbfcb56aea79" providerId="LiveId" clId="{B9446184-0E51-4ADC-8B7C-57AD638D7E44}" dt="2021-02-17T03:43:13.881" v="2903" actId="47"/>
+        <pc:sldMkLst>
+          <pc:docMk/>
+          <pc:sldMk cId="3957381771" sldId="263"/>
+        </pc:sldMkLst>
+        <pc:spChg chg="mod">
+          <ac:chgData name="Li Lixiang" userId="6104bbfcb56aea79" providerId="LiveId" clId="{B9446184-0E51-4ADC-8B7C-57AD638D7E44}" dt="2021-02-13T10:05:29.270" v="447" actId="20577"/>
+          <ac:spMkLst>
+            <pc:docMk/>
+            <pc:sldMk cId="3957381771" sldId="263"/>
+            <ac:spMk id="2" creationId="{5EC01E2D-9CFE-4D5D-8863-3BA90731F07B}"/>
+          </ac:spMkLst>
+        </pc:spChg>
+        <pc:spChg chg="del">
+          <ac:chgData name="Li Lixiang" userId="6104bbfcb56aea79" providerId="LiveId" clId="{B9446184-0E51-4ADC-8B7C-57AD638D7E44}" dt="2021-02-13T10:05:13.627" v="416" actId="478"/>
+          <ac:spMkLst>
+            <pc:docMk/>
+            <pc:sldMk cId="3957381771" sldId="263"/>
+            <ac:spMk id="8" creationId="{2591EF92-2BC2-453C-AE10-E7EA1FBB0758}"/>
+          </ac:spMkLst>
+        </pc:spChg>
+        <pc:spChg chg="mod">
+          <ac:chgData name="Li Lixiang" userId="6104bbfcb56aea79" providerId="LiveId" clId="{B9446184-0E51-4ADC-8B7C-57AD638D7E44}" dt="2021-02-13T10:06:50.768" v="573" actId="20577"/>
+          <ac:spMkLst>
+            <pc:docMk/>
+            <pc:sldMk cId="3957381771" sldId="263"/>
+            <ac:spMk id="9" creationId="{B3A91969-9FC0-40D6-97FB-CB169B0FD70D}"/>
+          </ac:spMkLst>
+        </pc:spChg>
+        <pc:picChg chg="add mod">
+          <ac:chgData name="Li Lixiang" userId="6104bbfcb56aea79" providerId="LiveId" clId="{B9446184-0E51-4ADC-8B7C-57AD638D7E44}" dt="2021-02-13T10:06:08.608" v="449" actId="1076"/>
+          <ac:picMkLst>
+            <pc:docMk/>
+            <pc:sldMk cId="3957381771" sldId="263"/>
+            <ac:picMk id="4" creationId="{707C2BDF-1151-4028-B04D-83827CF173DE}"/>
+          </ac:picMkLst>
+        </pc:picChg>
+      </pc:sldChg>
+      <pc:sldChg chg="addSp delSp modSp add del mod setBg">
+        <pc:chgData name="Li Lixiang" userId="6104bbfcb56aea79" providerId="LiveId" clId="{B9446184-0E51-4ADC-8B7C-57AD638D7E44}" dt="2021-02-17T04:29:41.965" v="3123" actId="47"/>
+        <pc:sldMkLst>
+          <pc:docMk/>
+          <pc:sldMk cId="2891839758" sldId="264"/>
+        </pc:sldMkLst>
+        <pc:spChg chg="mod">
+          <ac:chgData name="Li Lixiang" userId="6104bbfcb56aea79" providerId="LiveId" clId="{B9446184-0E51-4ADC-8B7C-57AD638D7E44}" dt="2021-02-13T13:23:42.940" v="890" actId="26606"/>
+          <ac:spMkLst>
+            <pc:docMk/>
+            <pc:sldMk cId="2891839758" sldId="264"/>
+            <ac:spMk id="2" creationId="{5EC01E2D-9CFE-4D5D-8863-3BA90731F07B}"/>
+          </ac:spMkLst>
+        </pc:spChg>
+        <pc:spChg chg="mod">
+          <ac:chgData name="Li Lixiang" userId="6104bbfcb56aea79" providerId="LiveId" clId="{B9446184-0E51-4ADC-8B7C-57AD638D7E44}" dt="2021-02-13T13:23:42.940" v="890" actId="26606"/>
+          <ac:spMkLst>
+            <pc:docMk/>
+            <pc:sldMk cId="2891839758" sldId="264"/>
+            <ac:spMk id="9" creationId="{B3A91969-9FC0-40D6-97FB-CB169B0FD70D}"/>
+          </ac:spMkLst>
+        </pc:spChg>
+        <pc:picChg chg="del">
+          <ac:chgData name="Li Lixiang" userId="6104bbfcb56aea79" providerId="LiveId" clId="{B9446184-0E51-4ADC-8B7C-57AD638D7E44}" dt="2021-02-13T10:06:59.166" v="575" actId="478"/>
+          <ac:picMkLst>
+            <pc:docMk/>
+            <pc:sldMk cId="2891839758" sldId="264"/>
+            <ac:picMk id="4" creationId="{707C2BDF-1151-4028-B04D-83827CF173DE}"/>
+          </ac:picMkLst>
+        </pc:picChg>
+        <pc:picChg chg="add del mod">
+          <ac:chgData name="Li Lixiang" userId="6104bbfcb56aea79" providerId="LiveId" clId="{B9446184-0E51-4ADC-8B7C-57AD638D7E44}" dt="2021-02-13T13:21:30.474" v="887" actId="478"/>
+          <ac:picMkLst>
+            <pc:docMk/>
+            <pc:sldMk cId="2891839758" sldId="264"/>
+            <ac:picMk id="5" creationId="{E655F772-94E9-40A8-A00E-42625C761EF8}"/>
+          </ac:picMkLst>
+        </pc:picChg>
+        <pc:picChg chg="add mod">
+          <ac:chgData name="Li Lixiang" userId="6104bbfcb56aea79" providerId="LiveId" clId="{B9446184-0E51-4ADC-8B7C-57AD638D7E44}" dt="2021-02-13T13:23:50.155" v="892" actId="14100"/>
+          <ac:picMkLst>
+            <pc:docMk/>
+            <pc:sldMk cId="2891839758" sldId="264"/>
+            <ac:picMk id="7" creationId="{2DA901EC-B9ED-445F-8796-2A298A631CA2}"/>
+          </ac:picMkLst>
+        </pc:picChg>
+      </pc:sldChg>
+      <pc:sldChg chg="modSp add del mod">
+        <pc:chgData name="Li Lixiang" userId="6104bbfcb56aea79" providerId="LiveId" clId="{B9446184-0E51-4ADC-8B7C-57AD638D7E44}" dt="2021-02-17T03:49:32.306" v="2905" actId="47"/>
+        <pc:sldMkLst>
+          <pc:docMk/>
+          <pc:sldMk cId="3556983529" sldId="265"/>
+        </pc:sldMkLst>
+        <pc:spChg chg="mod">
+          <ac:chgData name="Li Lixiang" userId="6104bbfcb56aea79" providerId="LiveId" clId="{B9446184-0E51-4ADC-8B7C-57AD638D7E44}" dt="2021-02-13T10:27:42.777" v="776" actId="20577"/>
+          <ac:spMkLst>
+            <pc:docMk/>
+            <pc:sldMk cId="3556983529" sldId="265"/>
+            <ac:spMk id="2" creationId="{5EC01E2D-9CFE-4D5D-8863-3BA90731F07B}"/>
+          </ac:spMkLst>
+        </pc:spChg>
+        <pc:spChg chg="mod">
+          <ac:chgData name="Li Lixiang" userId="6104bbfcb56aea79" providerId="LiveId" clId="{B9446184-0E51-4ADC-8B7C-57AD638D7E44}" dt="2021-02-13T14:40:37.005" v="1730" actId="20577"/>
+          <ac:spMkLst>
+            <pc:docMk/>
+            <pc:sldMk cId="3556983529" sldId="265"/>
+            <ac:spMk id="9" creationId="{B3A91969-9FC0-40D6-97FB-CB169B0FD70D}"/>
+          </ac:spMkLst>
+        </pc:spChg>
+      </pc:sldChg>
+      <pc:sldChg chg="addSp delSp modSp add del mod setBg">
+        <pc:chgData name="Li Lixiang" userId="6104bbfcb56aea79" providerId="LiveId" clId="{B9446184-0E51-4ADC-8B7C-57AD638D7E44}" dt="2021-02-17T03:48:35.937" v="2904" actId="47"/>
+        <pc:sldMkLst>
+          <pc:docMk/>
+          <pc:sldMk cId="2510953356" sldId="266"/>
+        </pc:sldMkLst>
+        <pc:spChg chg="mod">
+          <ac:chgData name="Li Lixiang" userId="6104bbfcb56aea79" providerId="LiveId" clId="{B9446184-0E51-4ADC-8B7C-57AD638D7E44}" dt="2021-02-13T13:24:39.222" v="912" actId="20577"/>
+          <ac:spMkLst>
+            <pc:docMk/>
+            <pc:sldMk cId="2510953356" sldId="266"/>
+            <ac:spMk id="2" creationId="{5EC01E2D-9CFE-4D5D-8863-3BA90731F07B}"/>
+          </ac:spMkLst>
+        </pc:spChg>
+        <pc:spChg chg="mod">
+          <ac:chgData name="Li Lixiang" userId="6104bbfcb56aea79" providerId="LiveId" clId="{B9446184-0E51-4ADC-8B7C-57AD638D7E44}" dt="2021-02-13T14:15:10.839" v="1582" actId="27636"/>
+          <ac:spMkLst>
+            <pc:docMk/>
+            <pc:sldMk cId="2510953356" sldId="266"/>
+            <ac:spMk id="9" creationId="{B3A91969-9FC0-40D6-97FB-CB169B0FD70D}"/>
+          </ac:spMkLst>
+        </pc:spChg>
+        <pc:graphicFrameChg chg="add mod modGraphic">
+          <ac:chgData name="Li Lixiang" userId="6104bbfcb56aea79" providerId="LiveId" clId="{B9446184-0E51-4ADC-8B7C-57AD638D7E44}" dt="2021-02-13T13:45:29.151" v="1294" actId="1076"/>
+          <ac:graphicFrameMkLst>
+            <pc:docMk/>
+            <pc:sldMk cId="2510953356" sldId="266"/>
+            <ac:graphicFrameMk id="5" creationId="{485E8036-9BD6-4845-88C1-A13EE7B17B61}"/>
+          </ac:graphicFrameMkLst>
+        </pc:graphicFrameChg>
+        <pc:picChg chg="add mod">
+          <ac:chgData name="Li Lixiang" userId="6104bbfcb56aea79" providerId="LiveId" clId="{B9446184-0E51-4ADC-8B7C-57AD638D7E44}" dt="2021-02-13T13:45:24.342" v="1293" actId="1076"/>
+          <ac:picMkLst>
+            <pc:docMk/>
+            <pc:sldMk cId="2510953356" sldId="266"/>
+            <ac:picMk id="4" creationId="{5ED14188-1386-43D0-9190-649C1BFE0895}"/>
+          </ac:picMkLst>
+        </pc:picChg>
+        <pc:picChg chg="del">
+          <ac:chgData name="Li Lixiang" userId="6104bbfcb56aea79" providerId="LiveId" clId="{B9446184-0E51-4ADC-8B7C-57AD638D7E44}" dt="2021-02-13T13:24:30.822" v="894" actId="478"/>
+          <ac:picMkLst>
+            <pc:docMk/>
+            <pc:sldMk cId="2510953356" sldId="266"/>
+            <ac:picMk id="7" creationId="{2DA901EC-B9ED-445F-8796-2A298A631CA2}"/>
+          </ac:picMkLst>
+        </pc:picChg>
+      </pc:sldChg>
+      <pc:sldChg chg="addSp delSp modSp add del mod ord">
+        <pc:chgData name="Li Lixiang" userId="6104bbfcb56aea79" providerId="LiveId" clId="{B9446184-0E51-4ADC-8B7C-57AD638D7E44}" dt="2021-02-17T04:25:49.901" v="2912" actId="47"/>
+        <pc:sldMkLst>
+          <pc:docMk/>
+          <pc:sldMk cId="2292985044" sldId="267"/>
+        </pc:sldMkLst>
+        <pc:spChg chg="mod">
+          <ac:chgData name="Li Lixiang" userId="6104bbfcb56aea79" providerId="LiveId" clId="{B9446184-0E51-4ADC-8B7C-57AD638D7E44}" dt="2021-02-13T15:24:45.578" v="2269" actId="14100"/>
+          <ac:spMkLst>
+            <pc:docMk/>
+            <pc:sldMk cId="2292985044" sldId="267"/>
+            <ac:spMk id="2" creationId="{5EC01E2D-9CFE-4D5D-8863-3BA90731F07B}"/>
+          </ac:spMkLst>
+        </pc:spChg>
+        <pc:spChg chg="mod">
+          <ac:chgData name="Li Lixiang" userId="6104bbfcb56aea79" providerId="LiveId" clId="{B9446184-0E51-4ADC-8B7C-57AD638D7E44}" dt="2021-02-13T15:24:48.843" v="2270" actId="14100"/>
+          <ac:spMkLst>
+            <pc:docMk/>
+            <pc:sldMk cId="2292985044" sldId="267"/>
+            <ac:spMk id="9" creationId="{B3A91969-9FC0-40D6-97FB-CB169B0FD70D}"/>
+          </ac:spMkLst>
+        </pc:spChg>
+        <pc:graphicFrameChg chg="add del mod modGraphic">
+          <ac:chgData name="Li Lixiang" userId="6104bbfcb56aea79" providerId="LiveId" clId="{B9446184-0E51-4ADC-8B7C-57AD638D7E44}" dt="2021-02-17T04:22:47.138" v="2908" actId="478"/>
+          <ac:graphicFrameMkLst>
+            <pc:docMk/>
+            <pc:sldMk cId="2292985044" sldId="267"/>
+            <ac:graphicFrameMk id="3" creationId="{D84780B3-319D-492D-A007-9A07BDBD415B}"/>
+          </ac:graphicFrameMkLst>
+        </pc:graphicFrameChg>
+        <pc:graphicFrameChg chg="del">
+          <ac:chgData name="Li Lixiang" userId="6104bbfcb56aea79" providerId="LiveId" clId="{B9446184-0E51-4ADC-8B7C-57AD638D7E44}" dt="2021-02-13T14:26:53.922" v="1584" actId="478"/>
+          <ac:graphicFrameMkLst>
+            <pc:docMk/>
+            <pc:sldMk cId="2292985044" sldId="267"/>
+            <ac:graphicFrameMk id="5" creationId="{485E8036-9BD6-4845-88C1-A13EE7B17B61}"/>
+          </ac:graphicFrameMkLst>
+        </pc:graphicFrameChg>
+        <pc:picChg chg="del">
+          <ac:chgData name="Li Lixiang" userId="6104bbfcb56aea79" providerId="LiveId" clId="{B9446184-0E51-4ADC-8B7C-57AD638D7E44}" dt="2021-02-13T14:26:54.789" v="1585" actId="478"/>
+          <ac:picMkLst>
+            <pc:docMk/>
+            <pc:sldMk cId="2292985044" sldId="267"/>
+            <ac:picMk id="4" creationId="{5ED14188-1386-43D0-9190-649C1BFE0895}"/>
+          </ac:picMkLst>
+        </pc:picChg>
+        <pc:picChg chg="add mod">
+          <ac:chgData name="Li Lixiang" userId="6104bbfcb56aea79" providerId="LiveId" clId="{B9446184-0E51-4ADC-8B7C-57AD638D7E44}" dt="2021-02-17T04:24:15.909" v="2911" actId="1076"/>
+          <ac:picMkLst>
+            <pc:docMk/>
+            <pc:sldMk cId="2292985044" sldId="267"/>
+            <ac:picMk id="5" creationId="{631E7553-A011-4B43-A638-C8BB45BD456D}"/>
+          </ac:picMkLst>
+        </pc:picChg>
+        <pc:picChg chg="add del mod">
+          <ac:chgData name="Li Lixiang" userId="6104bbfcb56aea79" providerId="LiveId" clId="{B9446184-0E51-4ADC-8B7C-57AD638D7E44}" dt="2021-02-17T04:22:47.138" v="2908" actId="478"/>
+          <ac:picMkLst>
+            <pc:docMk/>
+            <pc:sldMk cId="2292985044" sldId="267"/>
+            <ac:picMk id="7" creationId="{D684A5AE-6CD5-441A-8FA2-6E81CC81E54E}"/>
+          </ac:picMkLst>
+        </pc:picChg>
+      </pc:sldChg>
+      <pc:sldChg chg="modSp add del mod">
+        <pc:chgData name="Li Lixiang" userId="6104bbfcb56aea79" providerId="LiveId" clId="{B9446184-0E51-4ADC-8B7C-57AD638D7E44}" dt="2021-02-17T03:49:37.036" v="2906" actId="47"/>
+        <pc:sldMkLst>
+          <pc:docMk/>
+          <pc:sldMk cId="2280381234" sldId="268"/>
+        </pc:sldMkLst>
+        <pc:spChg chg="mod">
+          <ac:chgData name="Li Lixiang" userId="6104bbfcb56aea79" providerId="LiveId" clId="{B9446184-0E51-4ADC-8B7C-57AD638D7E44}" dt="2021-02-13T14:41:35.703" v="1740" actId="20577"/>
+          <ac:spMkLst>
+            <pc:docMk/>
+            <pc:sldMk cId="2280381234" sldId="268"/>
+            <ac:spMk id="2" creationId="{5EC01E2D-9CFE-4D5D-8863-3BA90731F07B}"/>
+          </ac:spMkLst>
+        </pc:spChg>
+        <pc:spChg chg="mod">
+          <ac:chgData name="Li Lixiang" userId="6104bbfcb56aea79" providerId="LiveId" clId="{B9446184-0E51-4ADC-8B7C-57AD638D7E44}" dt="2021-02-13T14:42:35.210" v="1892" actId="20577"/>
+          <ac:spMkLst>
+            <pc:docMk/>
+            <pc:sldMk cId="2280381234" sldId="268"/>
+            <ac:spMk id="9" creationId="{B3A91969-9FC0-40D6-97FB-CB169B0FD70D}"/>
+          </ac:spMkLst>
+        </pc:spChg>
+      </pc:sldChg>
+      <pc:sldChg chg="modSp add del mod">
+        <pc:chgData name="Li Lixiang" userId="6104bbfcb56aea79" providerId="LiveId" clId="{B9446184-0E51-4ADC-8B7C-57AD638D7E44}" dt="2021-02-17T03:49:43.502" v="2907" actId="47"/>
+        <pc:sldMkLst>
+          <pc:docMk/>
+          <pc:sldMk cId="2033969740" sldId="269"/>
+        </pc:sldMkLst>
+        <pc:spChg chg="mod">
+          <ac:chgData name="Li Lixiang" userId="6104bbfcb56aea79" providerId="LiveId" clId="{B9446184-0E51-4ADC-8B7C-57AD638D7E44}" dt="2021-02-13T14:48:05.593" v="2150" actId="20577"/>
+          <ac:spMkLst>
+            <pc:docMk/>
+            <pc:sldMk cId="2033969740" sldId="269"/>
+            <ac:spMk id="2" creationId="{5EC01E2D-9CFE-4D5D-8863-3BA90731F07B}"/>
+          </ac:spMkLst>
+        </pc:spChg>
+        <pc:spChg chg="mod">
+          <ac:chgData name="Li Lixiang" userId="6104bbfcb56aea79" providerId="LiveId" clId="{B9446184-0E51-4ADC-8B7C-57AD638D7E44}" dt="2021-02-13T14:47:47.391" v="2137" actId="20577"/>
+          <ac:spMkLst>
+            <pc:docMk/>
+            <pc:sldMk cId="2033969740" sldId="269"/>
+            <ac:spMk id="9" creationId="{B3A91969-9FC0-40D6-97FB-CB169B0FD70D}"/>
+          </ac:spMkLst>
+        </pc:spChg>
+      </pc:sldChg>
+      <pc:sldChg chg="modSp add del mod ord">
+        <pc:chgData name="Li Lixiang" userId="6104bbfcb56aea79" providerId="LiveId" clId="{B9446184-0E51-4ADC-8B7C-57AD638D7E44}" dt="2021-02-17T04:29:28.935" v="3118" actId="47"/>
+        <pc:sldMkLst>
+          <pc:docMk/>
+          <pc:sldMk cId="1819763317" sldId="270"/>
+        </pc:sldMkLst>
+        <pc:spChg chg="mod">
+          <ac:chgData name="Li Lixiang" userId="6104bbfcb56aea79" providerId="LiveId" clId="{B9446184-0E51-4ADC-8B7C-57AD638D7E44}" dt="2021-02-17T04:26:30.696" v="2945" actId="20577"/>
+          <ac:spMkLst>
+            <pc:docMk/>
+            <pc:sldMk cId="1819763317" sldId="270"/>
+            <ac:spMk id="2" creationId="{5EC01E2D-9CFE-4D5D-8863-3BA90731F07B}"/>
+          </ac:spMkLst>
+        </pc:spChg>
+        <pc:spChg chg="mod">
+          <ac:chgData name="Li Lixiang" userId="6104bbfcb56aea79" providerId="LiveId" clId="{B9446184-0E51-4ADC-8B7C-57AD638D7E44}" dt="2021-02-17T04:27:48.927" v="3117" actId="20577"/>
+          <ac:spMkLst>
+            <pc:docMk/>
+            <pc:sldMk cId="1819763317" sldId="270"/>
             <ac:spMk id="9" creationId="{B3A91969-9FC0-40D6-97FB-CB169B0FD70D}"/>
           </ac:spMkLst>
         </pc:spChg>
       </pc:sldChg>
       <pc:sldChg chg="modSp add mod ord">
-        <pc:chgData name="Li Lixiang" userId="6104bbfcb56aea79" providerId="LiveId" clId="{C264A2B5-62E8-41A3-AC8C-3290B0C302EA}" dt="2021-05-17T10:37:42.894" v="953"/>
-        <pc:sldMkLst>
-          <pc:docMk/>
-          <pc:sldMk cId="1470482827" sldId="278"/>
-        </pc:sldMkLst>
-        <pc:spChg chg="mod">
-          <ac:chgData name="Li Lixiang" userId="6104bbfcb56aea79" providerId="LiveId" clId="{C264A2B5-62E8-41A3-AC8C-3290B0C302EA}" dt="2021-05-17T09:11:08.893" v="640" actId="20577"/>
-          <ac:spMkLst>
-            <pc:docMk/>
-            <pc:sldMk cId="1470482827" sldId="278"/>
-            <ac:spMk id="2" creationId="{5EC01E2D-9CFE-4D5D-8863-3BA90731F07B}"/>
-          </ac:spMkLst>
-        </pc:spChg>
-        <pc:spChg chg="mod">
-          <ac:chgData name="Li Lixiang" userId="6104bbfcb56aea79" providerId="LiveId" clId="{C264A2B5-62E8-41A3-AC8C-3290B0C302EA}" dt="2021-05-17T10:36:42.844" v="943" actId="20577"/>
-          <ac:spMkLst>
-            <pc:docMk/>
-            <pc:sldMk cId="1470482827" sldId="278"/>
-            <ac:spMk id="9" creationId="{B3A91969-9FC0-40D6-97FB-CB169B0FD70D}"/>
-          </ac:spMkLst>
-        </pc:spChg>
-      </pc:sldChg>
-    </pc:docChg>
-  </pc:docChgLst>
-  <pc:docChgLst>
-    <pc:chgData name="Li Lixiang" userId="6104bbfcb56aea79" providerId="LiveId" clId="{A099C6D8-1B0D-49ED-A352-7F394CFD410C}"/>
-    <pc:docChg chg="custSel addSld modSld sldOrd">
-      <pc:chgData name="Li Lixiang" userId="6104bbfcb56aea79" providerId="LiveId" clId="{A099C6D8-1B0D-49ED-A352-7F394CFD410C}" dt="2021-08-12T07:28:18.412" v="374" actId="20577"/>
-      <pc:docMkLst>
-        <pc:docMk/>
-      </pc:docMkLst>
-      <pc:sldChg chg="modSp mod">
-        <pc:chgData name="Li Lixiang" userId="6104bbfcb56aea79" providerId="LiveId" clId="{A099C6D8-1B0D-49ED-A352-7F394CFD410C}" dt="2021-08-12T07:28:18.412" v="374" actId="20577"/>
-        <pc:sldMkLst>
-          <pc:docMk/>
-          <pc:sldMk cId="3650079851" sldId="256"/>
-        </pc:sldMkLst>
-        <pc:spChg chg="mod">
-          <ac:chgData name="Li Lixiang" userId="6104bbfcb56aea79" providerId="LiveId" clId="{A099C6D8-1B0D-49ED-A352-7F394CFD410C}" dt="2021-08-12T07:28:18.412" v="374" actId="20577"/>
-          <ac:spMkLst>
-            <pc:docMk/>
-            <pc:sldMk cId="3650079851" sldId="256"/>
-            <ac:spMk id="4" creationId="{8DE6899A-D842-4C9E-ADC1-B0C1377122EA}"/>
-          </ac:spMkLst>
-        </pc:spChg>
-      </pc:sldChg>
-      <pc:sldChg chg="modSp mod ord">
-        <pc:chgData name="Li Lixiang" userId="6104bbfcb56aea79" providerId="LiveId" clId="{A099C6D8-1B0D-49ED-A352-7F394CFD410C}" dt="2021-08-11T13:13:46.487" v="372"/>
+        <pc:chgData name="Li Lixiang" userId="6104bbfcb56aea79" providerId="LiveId" clId="{B9446184-0E51-4ADC-8B7C-57AD638D7E44}" dt="2021-02-17T04:29:40.598" v="3122"/>
         <pc:sldMkLst>
           <pc:docMk/>
           <pc:sldMk cId="1732110910" sldId="271"/>
         </pc:sldMkLst>
         <pc:spChg chg="mod">
-          <ac:chgData name="Li Lixiang" userId="6104bbfcb56aea79" providerId="LiveId" clId="{A099C6D8-1B0D-49ED-A352-7F394CFD410C}" dt="2021-08-11T11:47:34.317" v="11" actId="20577"/>
+          <ac:chgData name="Li Lixiang" userId="6104bbfcb56aea79" providerId="LiveId" clId="{B9446184-0E51-4ADC-8B7C-57AD638D7E44}" dt="2021-02-13T15:28:01.081" v="2716" actId="5793"/>
           <ac:spMkLst>
             <pc:docMk/>
             <pc:sldMk cId="1732110910" sldId="271"/>
@@ -1540,20 +1571,13 @@
           </ac:spMkLst>
         </pc:spChg>
         <pc:spChg chg="mod">
-          <ac:chgData name="Li Lixiang" userId="6104bbfcb56aea79" providerId="LiveId" clId="{A099C6D8-1B0D-49ED-A352-7F394CFD410C}" dt="2021-08-11T13:13:30.513" v="370" actId="20577"/>
+          <ac:chgData name="Li Lixiang" userId="6104bbfcb56aea79" providerId="LiveId" clId="{B9446184-0E51-4ADC-8B7C-57AD638D7E44}" dt="2021-02-13T15:29:21.921" v="2901" actId="14100"/>
           <ac:spMkLst>
             <pc:docMk/>
             <pc:sldMk cId="1732110910" sldId="271"/>
             <ac:spMk id="9" creationId="{B3A91969-9FC0-40D6-97FB-CB169B0FD70D}"/>
           </ac:spMkLst>
         </pc:spChg>
-      </pc:sldChg>
-      <pc:sldChg chg="add">
-        <pc:chgData name="Li Lixiang" userId="6104bbfcb56aea79" providerId="LiveId" clId="{A099C6D8-1B0D-49ED-A352-7F394CFD410C}" dt="2021-08-11T11:47:28.291" v="0"/>
-        <pc:sldMkLst>
-          <pc:docMk/>
-          <pc:sldMk cId="796817006" sldId="279"/>
-        </pc:sldMkLst>
       </pc:sldChg>
     </pc:docChg>
   </pc:docChgLst>
@@ -1790,7 +1814,7 @@
             <a:fld id="{B61BEF0D-F0BB-DE4B-95CE-6DB70DBA9567}" type="datetimeFigureOut">
               <a:rPr lang="en-US" dirty="0"/>
               <a:pPr/>
-              <a:t>9/2/2021</a:t>
+              <a:t>4/26/2023</a:t>
             </a:fld>
             <a:endParaRPr lang="en-US" dirty="0"/>
           </a:p>
@@ -2121,7 +2145,7 @@
             <a:fld id="{B61BEF0D-F0BB-DE4B-95CE-6DB70DBA9567}" type="datetimeFigureOut">
               <a:rPr lang="en-US" dirty="0"/>
               <a:pPr/>
-              <a:t>9/2/2021</a:t>
+              <a:t>4/26/2023</a:t>
             </a:fld>
             <a:endParaRPr lang="en-US" dirty="0"/>
           </a:p>
@@ -2396,7 +2420,7 @@
             <a:fld id="{B61BEF0D-F0BB-DE4B-95CE-6DB70DBA9567}" type="datetimeFigureOut">
               <a:rPr lang="en-US" dirty="0"/>
               <a:pPr/>
-              <a:t>9/2/2021</a:t>
+              <a:t>4/26/2023</a:t>
             </a:fld>
             <a:endParaRPr lang="en-US" dirty="0"/>
           </a:p>
@@ -2961,7 +2985,7 @@
             <a:fld id="{B61BEF0D-F0BB-DE4B-95CE-6DB70DBA9567}" type="datetimeFigureOut">
               <a:rPr lang="en-US" dirty="0"/>
               <a:pPr/>
-              <a:t>9/2/2021</a:t>
+              <a:t>4/26/2023</a:t>
             </a:fld>
             <a:endParaRPr lang="en-US" dirty="0"/>
           </a:p>
@@ -3236,7 +3260,7 @@
             <a:fld id="{B61BEF0D-F0BB-DE4B-95CE-6DB70DBA9567}" type="datetimeFigureOut">
               <a:rPr lang="en-US" dirty="0"/>
               <a:pPr/>
-              <a:t>9/2/2021</a:t>
+              <a:t>4/26/2023</a:t>
             </a:fld>
             <a:endParaRPr lang="en-US" dirty="0"/>
           </a:p>
@@ -3795,7 +3819,7 @@
             <a:fld id="{B61BEF0D-F0BB-DE4B-95CE-6DB70DBA9567}" type="datetimeFigureOut">
               <a:rPr lang="en-US" dirty="0"/>
               <a:pPr/>
-              <a:t>9/2/2021</a:t>
+              <a:t>4/26/2023</a:t>
             </a:fld>
             <a:endParaRPr lang="en-US" dirty="0"/>
           </a:p>
@@ -4119,7 +4143,7 @@
             <a:fld id="{B61BEF0D-F0BB-DE4B-95CE-6DB70DBA9567}" type="datetimeFigureOut">
               <a:rPr lang="en-US" dirty="0"/>
               <a:pPr/>
-              <a:t>9/2/2021</a:t>
+              <a:t>4/26/2023</a:t>
             </a:fld>
             <a:endParaRPr lang="en-US" dirty="0"/>
           </a:p>
@@ -4293,7 +4317,7 @@
             <a:fld id="{B61BEF0D-F0BB-DE4B-95CE-6DB70DBA9567}" type="datetimeFigureOut">
               <a:rPr lang="en-US" dirty="0"/>
               <a:pPr/>
-              <a:t>9/2/2021</a:t>
+              <a:t>4/26/2023</a:t>
             </a:fld>
             <a:endParaRPr lang="en-US" dirty="0"/>
           </a:p>
@@ -4528,7 +4552,7 @@
             <a:fld id="{B61BEF0D-F0BB-DE4B-95CE-6DB70DBA9567}" type="datetimeFigureOut">
               <a:rPr lang="en-US" dirty="0"/>
               <a:pPr/>
-              <a:t>9/2/2021</a:t>
+              <a:t>4/26/2023</a:t>
             </a:fld>
             <a:endParaRPr lang="en-US" dirty="0"/>
           </a:p>
@@ -4725,7 +4749,7 @@
             <a:fld id="{B61BEF0D-F0BB-DE4B-95CE-6DB70DBA9567}" type="datetimeFigureOut">
               <a:rPr lang="en-US" dirty="0"/>
               <a:pPr/>
-              <a:t>9/2/2021</a:t>
+              <a:t>4/26/2023</a:t>
             </a:fld>
             <a:endParaRPr lang="en-US" dirty="0"/>
           </a:p>
@@ -4998,7 +5022,7 @@
             <a:fld id="{B61BEF0D-F0BB-DE4B-95CE-6DB70DBA9567}" type="datetimeFigureOut">
               <a:rPr lang="en-US" dirty="0"/>
               <a:pPr/>
-              <a:t>9/2/2021</a:t>
+              <a:t>4/26/2023</a:t>
             </a:fld>
             <a:endParaRPr lang="en-US" dirty="0"/>
           </a:p>
@@ -5261,7 +5285,7 @@
             <a:fld id="{B61BEF0D-F0BB-DE4B-95CE-6DB70DBA9567}" type="datetimeFigureOut">
               <a:rPr lang="en-US" dirty="0"/>
               <a:pPr/>
-              <a:t>9/2/2021</a:t>
+              <a:t>4/26/2023</a:t>
             </a:fld>
             <a:endParaRPr lang="en-US" dirty="0"/>
           </a:p>
@@ -5632,7 +5656,7 @@
             <a:fld id="{B61BEF0D-F0BB-DE4B-95CE-6DB70DBA9567}" type="datetimeFigureOut">
               <a:rPr lang="en-US" dirty="0"/>
               <a:pPr/>
-              <a:t>9/2/2021</a:t>
+              <a:t>4/26/2023</a:t>
             </a:fld>
             <a:endParaRPr lang="en-US" dirty="0"/>
           </a:p>
@@ -5777,7 +5801,7 @@
             <a:fld id="{B61BEF0D-F0BB-DE4B-95CE-6DB70DBA9567}" type="datetimeFigureOut">
               <a:rPr lang="en-US" dirty="0"/>
               <a:pPr/>
-              <a:t>9/2/2021</a:t>
+              <a:t>4/26/2023</a:t>
             </a:fld>
             <a:endParaRPr lang="en-US" dirty="0"/>
           </a:p>
@@ -5899,7 +5923,7 @@
             <a:fld id="{B61BEF0D-F0BB-DE4B-95CE-6DB70DBA9567}" type="datetimeFigureOut">
               <a:rPr lang="en-US" dirty="0"/>
               <a:pPr/>
-              <a:t>9/2/2021</a:t>
+              <a:t>4/26/2023</a:t>
             </a:fld>
             <a:endParaRPr lang="en-US" dirty="0"/>
           </a:p>
@@ -6181,7 +6205,7 @@
             <a:fld id="{B61BEF0D-F0BB-DE4B-95CE-6DB70DBA9567}" type="datetimeFigureOut">
               <a:rPr lang="en-US" dirty="0"/>
               <a:pPr/>
-              <a:t>9/2/2021</a:t>
+              <a:t>4/26/2023</a:t>
             </a:fld>
             <a:endParaRPr lang="en-US" dirty="0"/>
           </a:p>
@@ -6502,7 +6526,7 @@
             <a:fld id="{B61BEF0D-F0BB-DE4B-95CE-6DB70DBA9567}" type="datetimeFigureOut">
               <a:rPr lang="en-US" dirty="0"/>
               <a:pPr/>
-              <a:t>9/2/2021</a:t>
+              <a:t>4/26/2023</a:t>
             </a:fld>
             <a:endParaRPr lang="en-US" dirty="0"/>
           </a:p>
@@ -6713,7 +6737,7 @@
             <a:fld id="{B61BEF0D-F0BB-DE4B-95CE-6DB70DBA9567}" type="datetimeFigureOut">
               <a:rPr lang="en-US" dirty="0"/>
               <a:pPr/>
-              <a:t>9/2/2021</a:t>
+              <a:t>4/26/2023</a:t>
             </a:fld>
             <a:endParaRPr lang="en-US" dirty="0"/>
           </a:p>
@@ -7274,7 +7298,7 @@
           <a:p>
             <a:r>
               <a:rPr lang="en-MY"/>
-              <a:t>unit 3B </a:t>
+              <a:t>unit 3d </a:t>
             </a:r>
             <a:r>
               <a:rPr lang="en-MY" dirty="0"/>
